--- a/yonergeler/principal_agent_t3_instructions.pptx
+++ b/yonergeler/principal_agent_t3_instructions.pptx
@@ -5,7 +5,7 @@
     <p:sldMasterId id="2147483648" r:id="rId1"/>
   </p:sldMasterIdLst>
   <p:notesMasterIdLst>
-    <p:notesMasterId r:id="rId26"/>
+    <p:notesMasterId r:id="rId23"/>
   </p:notesMasterIdLst>
   <p:sldIdLst>
     <p:sldId id="256" r:id="rId2"/>
@@ -24,14 +24,11 @@
     <p:sldId id="264" r:id="rId15"/>
     <p:sldId id="294" r:id="rId16"/>
     <p:sldId id="292" r:id="rId17"/>
-    <p:sldId id="265" r:id="rId18"/>
-    <p:sldId id="266" r:id="rId19"/>
-    <p:sldId id="267" r:id="rId20"/>
-    <p:sldId id="275" r:id="rId21"/>
-    <p:sldId id="276" r:id="rId22"/>
-    <p:sldId id="272" r:id="rId23"/>
-    <p:sldId id="271" r:id="rId24"/>
-    <p:sldId id="270" r:id="rId25"/>
+    <p:sldId id="275" r:id="rId18"/>
+    <p:sldId id="276" r:id="rId19"/>
+    <p:sldId id="272" r:id="rId20"/>
+    <p:sldId id="271" r:id="rId21"/>
+    <p:sldId id="270" r:id="rId22"/>
   </p:sldIdLst>
   <p:sldSz cx="12192000" cy="6858000"/>
   <p:notesSz cx="6858000" cy="9144000"/>
@@ -6405,7 +6402,7 @@
         </p:nvSpPr>
         <p:spPr>
           <a:xfrm>
-            <a:off x="838200" y="1470991"/>
+            <a:off x="838200" y="1484244"/>
             <a:ext cx="10515600" cy="4705972"/>
           </a:xfrm>
         </p:spPr>
@@ -6422,47 +6419,47 @@
               <a:buNone/>
             </a:pPr>
             <a:r>
-              <a:rPr lang="tr-TR" sz="2000" dirty="0"/>
+              <a:rPr lang="tr-TR" sz="1800" dirty="0"/>
               <a:t>Her Bölüm başladığında bir </a:t>
             </a:r>
             <a:r>
-              <a:rPr lang="tr-TR" sz="2000" i="1" dirty="0"/>
+              <a:rPr lang="tr-TR" sz="1800" i="1" dirty="0"/>
               <a:t>işveren</a:t>
             </a:r>
             <a:r>
-              <a:rPr lang="tr-TR" sz="2000" dirty="0"/>
+              <a:rPr lang="tr-TR" sz="1800" dirty="0"/>
               <a:t> ve bir  </a:t>
             </a:r>
             <a:r>
-              <a:rPr lang="tr-TR" sz="2000" i="1" dirty="0"/>
+              <a:rPr lang="tr-TR" sz="1800" i="1" dirty="0"/>
               <a:t>çalışan</a:t>
             </a:r>
             <a:r>
-              <a:rPr lang="tr-TR" sz="2000" dirty="0"/>
+              <a:rPr lang="tr-TR" sz="1800" dirty="0"/>
               <a:t>  rastgele eşleşecektir. </a:t>
             </a:r>
             <a:r>
-              <a:rPr lang="tr-TR" sz="2000" i="1" dirty="0"/>
+              <a:rPr lang="tr-TR" sz="1800" i="1" dirty="0"/>
               <a:t>Çalışanın</a:t>
             </a:r>
             <a:r>
-              <a:rPr lang="tr-TR" sz="2000" dirty="0"/>
+              <a:rPr lang="tr-TR" sz="1800" dirty="0"/>
               <a:t>  1. Tip olma ihtimali %10, 2. Tip olma ihtimali %90’dır. </a:t>
             </a:r>
             <a:r>
-              <a:rPr lang="tr-TR" sz="2000" i="1" dirty="0"/>
+              <a:rPr lang="tr-TR" sz="1800" i="1" dirty="0"/>
               <a:t>İşveren </a:t>
             </a:r>
             <a:r>
-              <a:rPr lang="tr-TR" sz="2000" dirty="0"/>
+              <a:rPr lang="tr-TR" sz="1800" dirty="0"/>
               <a:t>eşleştirildiği</a:t>
             </a:r>
             <a:r>
-              <a:rPr lang="tr-TR" sz="2000" i="1" dirty="0"/>
+              <a:rPr lang="tr-TR" sz="1800" i="1" dirty="0"/>
               <a:t> çalışanın </a:t>
             </a:r>
             <a:r>
-              <a:rPr lang="tr-TR" sz="2000" dirty="0"/>
+              <a:rPr lang="tr-TR" sz="1800" dirty="0"/>
               <a:t>1. Tip mi  yoksa 2. Tip mi olduğunu bilmez. </a:t>
             </a:r>
           </a:p>
@@ -6473,7 +6470,7 @@
               </a:lnSpc>
               <a:buNone/>
             </a:pPr>
-            <a:endParaRPr lang="tr-TR" sz="2000" dirty="0"/>
+            <a:endParaRPr lang="tr-TR" sz="1800" dirty="0"/>
           </a:p>
           <a:p>
             <a:pPr marL="0" indent="0" algn="just">
@@ -6483,7 +6480,7 @@
               <a:buNone/>
             </a:pPr>
             <a:r>
-              <a:rPr lang="tr-TR" sz="2000" dirty="0"/>
+              <a:rPr lang="tr-TR" sz="1800" dirty="0"/>
               <a:t>Bölüm başladıktan sonra işveren her tur başında eşleştirilmiş olduğu çalışana işi verip vermeme kararı alır. Herhangi bir turda çalışana işi vermeme kararı alırsa bölüm sonlanır ve bir sonraki bölüm için işveren yeniden bir çalışanla eşleştirilir. </a:t>
             </a:r>
           </a:p>
@@ -6494,7 +6491,7 @@
               </a:lnSpc>
               <a:buNone/>
             </a:pPr>
-            <a:endParaRPr lang="tr-TR" sz="2000" dirty="0"/>
+            <a:endParaRPr lang="tr-TR" sz="1800" dirty="0"/>
           </a:p>
           <a:p>
             <a:pPr marL="0" indent="0" algn="just">
@@ -6504,7 +6501,7 @@
               <a:buNone/>
             </a:pPr>
             <a:r>
-              <a:rPr lang="tr-TR" sz="2000" dirty="0"/>
+              <a:rPr lang="tr-TR" sz="1800" dirty="0"/>
               <a:t>Her bölümde işveren eşleştirildiği çalışana en fazla 3 tur işi verebilir. Çalışan aynı işverenle 3. turu tamamladığında bölüm sona erer ve bir sonraki bölüm için işveren yeniden bir çalışanla eşleştirilir. </a:t>
             </a:r>
           </a:p>
@@ -6515,7 +6512,7 @@
               </a:lnSpc>
               <a:buNone/>
             </a:pPr>
-            <a:endParaRPr lang="tr-TR" sz="2000" dirty="0"/>
+            <a:endParaRPr lang="tr-TR" sz="1800" dirty="0"/>
           </a:p>
           <a:p>
             <a:pPr marL="0" indent="0" algn="just">
@@ -6525,18 +6522,9 @@
               <a:buNone/>
             </a:pPr>
             <a:r>
-              <a:rPr lang="tr-TR" sz="2000" dirty="0" err="1"/>
-              <a:t>belief</a:t>
-            </a:r>
-            <a:endParaRPr lang="tr-TR" sz="2000" dirty="0"/>
-          </a:p>
-          <a:p>
-            <a:pPr>
-              <a:lnSpc>
-                <a:spcPct val="110000"/>
-              </a:lnSpc>
-            </a:pPr>
-            <a:endParaRPr lang="tr-TR" sz="2000" dirty="0"/>
+              <a:rPr lang="tr-TR" sz="1800" dirty="0"/>
+              <a:t>Her Tur başladığında, işveren, çalışana işi verip vermemekle yanı sıra çalışanın tipi ile ilgili tahminde bulunacak.</a:t>
+            </a:r>
           </a:p>
         </p:txBody>
       </p:sp>
@@ -10880,1754 +10868,6 @@
 </file>
 
 <file path=ppt/slides/slide17.xml><?xml version="1.0" encoding="utf-8"?>
-<p:sld xmlns:a="http://schemas.openxmlformats.org/drawingml/2006/main" xmlns:r="http://schemas.openxmlformats.org/officeDocument/2006/relationships" xmlns:p="http://schemas.openxmlformats.org/presentationml/2006/main">
-  <p:cSld>
-    <p:spTree>
-      <p:nvGrpSpPr>
-        <p:cNvPr id="1" name=""/>
-        <p:cNvGrpSpPr/>
-        <p:nvPr/>
-      </p:nvGrpSpPr>
-      <p:grpSpPr>
-        <a:xfrm>
-          <a:off x="0" y="0"/>
-          <a:ext cx="0" cy="0"/>
-          <a:chOff x="0" y="0"/>
-          <a:chExt cx="0" cy="0"/>
-        </a:xfrm>
-      </p:grpSpPr>
-      <p:sp>
-        <p:nvSpPr>
-          <p:cNvPr id="3" name="Content Placeholder 2">
-            <a:extLst>
-              <a:ext uri="{FF2B5EF4-FFF2-40B4-BE49-F238E27FC236}">
-                <a16:creationId xmlns:a16="http://schemas.microsoft.com/office/drawing/2014/main" id="{8F1BA600-9BA7-48C6-9860-6997EF4209D4}"/>
-              </a:ext>
-            </a:extLst>
-          </p:cNvPr>
-          <p:cNvSpPr>
-            <a:spLocks noGrp="1"/>
-          </p:cNvSpPr>
-          <p:nvPr>
-            <p:ph idx="1"/>
-          </p:nvPr>
-        </p:nvSpPr>
-        <p:spPr>
-          <a:xfrm>
-            <a:off x="838200" y="1524000"/>
-            <a:ext cx="10515600" cy="4651513"/>
-          </a:xfrm>
-        </p:spPr>
-        <p:txBody>
-          <a:bodyPr>
-            <a:normAutofit/>
-          </a:bodyPr>
-          <a:lstStyle/>
-          <a:p>
-            <a:pPr>
-              <a:lnSpc>
-                <a:spcPct val="100000"/>
-              </a:lnSpc>
-            </a:pPr>
-            <a:r>
-              <a:rPr lang="tr-TR" sz="2200" dirty="0"/>
-              <a:t>Her Tur başladığında </a:t>
-            </a:r>
-            <a:r>
-              <a:rPr lang="tr-TR" sz="2200" i="1" dirty="0"/>
-              <a:t>işverenden</a:t>
-            </a:r>
-            <a:r>
-              <a:rPr lang="tr-TR" sz="2200" dirty="0"/>
-              <a:t>, </a:t>
-            </a:r>
-            <a:r>
-              <a:rPr lang="tr-TR" sz="2200" i="1" dirty="0"/>
-              <a:t>çalışanı</a:t>
-            </a:r>
-            <a:r>
-              <a:rPr lang="tr-TR" sz="2200" dirty="0"/>
-              <a:t> işe alıp almama kararı ile </a:t>
-            </a:r>
-            <a:r>
-              <a:rPr lang="tr-TR" sz="2200" i="1" dirty="0"/>
-              <a:t>çalışanın</a:t>
-            </a:r>
-            <a:r>
-              <a:rPr lang="tr-TR" sz="2200" dirty="0"/>
-              <a:t> 1. Tip olma olasılığı hakkında tahmin yapması istenecektir. Tahmininize </a:t>
-            </a:r>
-            <a:r>
-              <a:rPr lang="tr-TR" sz="2200" b="1" i="1" dirty="0"/>
-              <a:t>T</a:t>
-            </a:r>
-            <a:r>
-              <a:rPr lang="tr-TR" sz="2200" dirty="0"/>
-              <a:t> diyelim.</a:t>
-            </a:r>
-          </a:p>
-          <a:p>
-            <a:pPr>
-              <a:lnSpc>
-                <a:spcPct val="100000"/>
-              </a:lnSpc>
-            </a:pPr>
-            <a:endParaRPr lang="tr-TR" sz="2200" dirty="0"/>
-          </a:p>
-          <a:p>
-            <a:pPr>
-              <a:lnSpc>
-                <a:spcPct val="100000"/>
-              </a:lnSpc>
-            </a:pPr>
-            <a:r>
-              <a:rPr lang="tr-TR" sz="2200" dirty="0"/>
-              <a:t>Ek kazancınızın tahmininize bağlı olduğu bir çekilişe katılacaksınız. </a:t>
-            </a:r>
-          </a:p>
-          <a:p>
-            <a:pPr>
-              <a:lnSpc>
-                <a:spcPct val="100000"/>
-              </a:lnSpc>
-            </a:pPr>
-            <a:endParaRPr lang="tr-TR" sz="2200" dirty="0"/>
-          </a:p>
-        </p:txBody>
-      </p:sp>
-      <p:sp>
-        <p:nvSpPr>
-          <p:cNvPr id="5" name="Title 4">
-            <a:extLst>
-              <a:ext uri="{FF2B5EF4-FFF2-40B4-BE49-F238E27FC236}">
-                <a16:creationId xmlns:a16="http://schemas.microsoft.com/office/drawing/2014/main" id="{12481238-0B40-4A09-9E9B-38F5D73CC123}"/>
-              </a:ext>
-            </a:extLst>
-          </p:cNvPr>
-          <p:cNvSpPr>
-            <a:spLocks noGrp="1"/>
-          </p:cNvSpPr>
-          <p:nvPr>
-            <p:ph type="title"/>
-          </p:nvPr>
-        </p:nvSpPr>
-        <p:spPr>
-          <a:xfrm>
-            <a:off x="838200" y="365125"/>
-            <a:ext cx="10515600" cy="891413"/>
-          </a:xfrm>
-        </p:spPr>
-        <p:txBody>
-          <a:bodyPr/>
-          <a:lstStyle/>
-          <a:p>
-            <a:r>
-              <a:rPr lang="tr-TR" dirty="0"/>
-              <a:t>İşveren: </a:t>
-            </a:r>
-            <a:r>
-              <a:rPr lang="en-US" dirty="0"/>
-              <a:t>E</a:t>
-            </a:r>
-            <a:r>
-              <a:rPr lang="tr-TR" dirty="0"/>
-              <a:t>k kazanç</a:t>
-            </a:r>
-            <a:endParaRPr lang="en-US" dirty="0"/>
-          </a:p>
-        </p:txBody>
-      </p:sp>
-      <mc:AlternateContent xmlns:mc="http://schemas.openxmlformats.org/markup-compatibility/2006" xmlns:a14="http://schemas.microsoft.com/office/drawing/2010/main">
-        <mc:Choice Requires="a14">
-          <p:graphicFrame>
-            <p:nvGraphicFramePr>
-              <p:cNvPr id="2" name="Table 3">
-                <a:extLst>
-                  <a:ext uri="{FF2B5EF4-FFF2-40B4-BE49-F238E27FC236}">
-                    <a16:creationId xmlns:a16="http://schemas.microsoft.com/office/drawing/2014/main" id="{1EA86D58-441E-4FDC-8D81-94E53D991D4A}"/>
-                  </a:ext>
-                </a:extLst>
-              </p:cNvPr>
-              <p:cNvGraphicFramePr>
-                <a:graphicFrameLocks noGrp="1"/>
-              </p:cNvGraphicFramePr>
-              <p:nvPr>
-                <p:extLst>
-                  <p:ext uri="{D42A27DB-BD31-4B8C-83A1-F6EECF244321}">
-                    <p14:modId xmlns:p14="http://schemas.microsoft.com/office/powerpoint/2010/main" val="3890260031"/>
-                  </p:ext>
-                </p:extLst>
-              </p:nvPr>
-            </p:nvGraphicFramePr>
-            <p:xfrm>
-              <a:off x="1510748" y="3429000"/>
-              <a:ext cx="9170504" cy="2172462"/>
-            </p:xfrm>
-            <a:graphic>
-              <a:graphicData uri="http://schemas.openxmlformats.org/drawingml/2006/table">
-                <a:tbl>
-                  <a:tblPr firstRow="1" bandRow="1">
-                    <a:tableStyleId>{C083E6E3-FA7D-4D7B-A595-EF9225AFEA82}</a:tableStyleId>
-                  </a:tblPr>
-                  <a:tblGrid>
-                    <a:gridCol w="4585252">
-                      <a:extLst>
-                        <a:ext uri="{9D8B030D-6E8A-4147-A177-3AD203B41FA5}">
-                          <a16:colId xmlns:a16="http://schemas.microsoft.com/office/drawing/2014/main" val="2347513989"/>
-                        </a:ext>
-                      </a:extLst>
-                    </a:gridCol>
-                    <a:gridCol w="4585252">
-                      <a:extLst>
-                        <a:ext uri="{9D8B030D-6E8A-4147-A177-3AD203B41FA5}">
-                          <a16:colId xmlns:a16="http://schemas.microsoft.com/office/drawing/2014/main" val="2318256240"/>
-                        </a:ext>
-                      </a:extLst>
-                    </a:gridCol>
-                  </a:tblGrid>
-                  <a:tr h="370840">
-                    <a:tc>
-                      <a:txBody>
-                        <a:bodyPr/>
-                        <a:lstStyle/>
-                        <a:p>
-                          <a:r>
-                            <a:rPr lang="tr-TR" sz="2400" dirty="0"/>
-                            <a:t>Eğer çalışan gerçekten 1. Tip ise:</a:t>
-                          </a:r>
-                        </a:p>
-                        <a:p>
-                          <a:endParaRPr lang="en-US" sz="2400" dirty="0"/>
-                        </a:p>
-                      </a:txBody>
-                      <a:tcPr/>
-                    </a:tc>
-                    <a:tc>
-                      <a:txBody>
-                        <a:bodyPr/>
-                        <a:lstStyle/>
-                        <a:p>
-                          <a:pPr marL="0" marR="0" lvl="0" indent="0" algn="l" defTabSz="914400" rtl="0" eaLnBrk="1" fontAlgn="auto" latinLnBrk="0" hangingPunct="1">
-                            <a:lnSpc>
-                              <a:spcPct val="100000"/>
-                            </a:lnSpc>
-                            <a:spcBef>
-                              <a:spcPts val="0"/>
-                            </a:spcBef>
-                            <a:spcAft>
-                              <a:spcPts val="0"/>
-                            </a:spcAft>
-                            <a:buClrTx/>
-                            <a:buSzTx/>
-                            <a:buFontTx/>
-                            <a:buNone/>
-                            <a:tabLst/>
-                            <a:defRPr/>
-                          </a:pPr>
-                          <a:r>
-                            <a:rPr lang="tr-TR" sz="2400" dirty="0"/>
-                            <a:t>Eğer çalışan 2. Tip ise:</a:t>
-                          </a:r>
-                        </a:p>
-                        <a:p>
-                          <a:endParaRPr lang="en-US" sz="2400" dirty="0"/>
-                        </a:p>
-                      </a:txBody>
-                      <a:tcPr/>
-                    </a:tc>
-                    <a:extLst>
-                      <a:ext uri="{0D108BD9-81ED-4DB2-BD59-A6C34878D82A}">
-                        <a16:rowId xmlns:a16="http://schemas.microsoft.com/office/drawing/2014/main" val="467209948"/>
-                      </a:ext>
-                    </a:extLst>
-                  </a:tr>
-                  <a:tr h="370840">
-                    <a:tc>
-                      <a:txBody>
-                        <a:bodyPr/>
-                        <a:lstStyle/>
-                        <a:p>
-                          <a:pPr marL="0" marR="0" lvl="0" indent="0" algn="l" defTabSz="914400" rtl="0" eaLnBrk="1" fontAlgn="auto" latinLnBrk="0" hangingPunct="1">
-                            <a:lnSpc>
-                              <a:spcPct val="100000"/>
-                            </a:lnSpc>
-                            <a:spcBef>
-                              <a:spcPts val="0"/>
-                            </a:spcBef>
-                            <a:spcAft>
-                              <a:spcPts val="0"/>
-                            </a:spcAft>
-                            <a:buClrTx/>
-                            <a:buSzTx/>
-                            <a:buFontTx/>
-                            <a:buNone/>
-                            <a:tabLst/>
-                            <a:defRPr/>
-                          </a:pPr>
-                          <a14:m>
-                            <m:oMath xmlns:m="http://schemas.openxmlformats.org/officeDocument/2006/math">
-                              <m:r>
-                                <a:rPr lang="tr-TR" sz="2400" b="1" dirty="0" smtClean="0">
-                                  <a:latin typeface="Cambria Math" panose="02040503050406030204" pitchFamily="18" charset="0"/>
-                                </a:rPr>
-                                <m:t>𝟏</m:t>
-                              </m:r>
-                              <m:r>
-                                <a:rPr lang="tr-TR" sz="2400" b="1" dirty="0" smtClean="0">
-                                  <a:latin typeface="Cambria Math" panose="02040503050406030204" pitchFamily="18" charset="0"/>
-                                </a:rPr>
-                                <m:t> − </m:t>
-                              </m:r>
-                              <m:sSup>
-                                <m:sSupPr>
-                                  <m:ctrlPr>
-                                    <a:rPr lang="tr-TR" sz="2400" b="1" i="1" dirty="0" smtClean="0">
-                                      <a:latin typeface="Cambria Math" panose="02040503050406030204" pitchFamily="18" charset="0"/>
-                                    </a:rPr>
-                                  </m:ctrlPr>
-                                </m:sSupPr>
-                                <m:e>
-                                  <m:r>
-                                    <a:rPr lang="tr-TR" sz="2400" b="1" dirty="0" smtClean="0">
-                                      <a:latin typeface="Cambria Math" panose="02040503050406030204" pitchFamily="18" charset="0"/>
-                                    </a:rPr>
-                                    <m:t>(</m:t>
-                                  </m:r>
-                                  <m:r>
-                                    <a:rPr lang="tr-TR" sz="2400" b="1" dirty="0" smtClean="0">
-                                      <a:latin typeface="Cambria Math" panose="02040503050406030204" pitchFamily="18" charset="0"/>
-                                    </a:rPr>
-                                    <m:t>𝟏</m:t>
-                                  </m:r>
-                                  <m:r>
-                                    <a:rPr lang="tr-TR" sz="2400" b="1" dirty="0" smtClean="0">
-                                      <a:latin typeface="Cambria Math" panose="02040503050406030204" pitchFamily="18" charset="0"/>
-                                    </a:rPr>
-                                    <m:t>−</m:t>
-                                  </m:r>
-                                  <m:f>
-                                    <m:fPr>
-                                      <m:ctrlPr>
-                                        <a:rPr lang="tr-TR" sz="2400" b="1" i="1" dirty="0" smtClean="0">
-                                          <a:latin typeface="Cambria Math" panose="02040503050406030204" pitchFamily="18" charset="0"/>
-                                        </a:rPr>
-                                      </m:ctrlPr>
-                                    </m:fPr>
-                                    <m:num>
-                                      <m:r>
-                                        <a:rPr lang="tr-TR" sz="2400" b="1" dirty="0" smtClean="0">
-                                          <a:latin typeface="Cambria Math" panose="02040503050406030204" pitchFamily="18" charset="0"/>
-                                        </a:rPr>
-                                        <m:t>𝑻</m:t>
-                                      </m:r>
-                                    </m:num>
-                                    <m:den>
-                                      <m:r>
-                                        <a:rPr lang="tr-TR" sz="2400" b="1" dirty="0" smtClean="0">
-                                          <a:latin typeface="Cambria Math" panose="02040503050406030204" pitchFamily="18" charset="0"/>
-                                        </a:rPr>
-                                        <m:t>𝟏𝟎𝟎</m:t>
-                                      </m:r>
-                                    </m:den>
-                                  </m:f>
-                                  <m:r>
-                                    <a:rPr lang="tr-TR" sz="2400" b="1" dirty="0" smtClean="0">
-                                      <a:latin typeface="Cambria Math" panose="02040503050406030204" pitchFamily="18" charset="0"/>
-                                    </a:rPr>
-                                    <m:t>)</m:t>
-                                  </m:r>
-                                </m:e>
-                                <m:sup>
-                                  <m:r>
-                                    <a:rPr lang="tr-TR" sz="2400" b="1" dirty="0" smtClean="0">
-                                      <a:latin typeface="Cambria Math" panose="02040503050406030204" pitchFamily="18" charset="0"/>
-                                    </a:rPr>
-                                    <m:t>𝟐</m:t>
-                                  </m:r>
-                                </m:sup>
-                              </m:sSup>
-                            </m:oMath>
-                          </a14:m>
-                          <a:r>
-                            <a:rPr lang="tr-TR" sz="2400" b="1" dirty="0"/>
-                            <a:t>  </a:t>
-                          </a:r>
-                          <a:r>
-                            <a:rPr lang="tr-TR" sz="2400" dirty="0"/>
-                            <a:t>olasılıkla </a:t>
-                          </a:r>
-                          <a:r>
-                            <a:rPr lang="en-US" sz="2400" dirty="0"/>
-                            <a:t>4</a:t>
-                          </a:r>
-                          <a:r>
-                            <a:rPr lang="tr-TR" sz="2400" dirty="0"/>
-                            <a:t> Puan kazanacaksınız.</a:t>
-                          </a:r>
-                        </a:p>
-                        <a:p>
-                          <a:endParaRPr lang="en-US" sz="2400" dirty="0"/>
-                        </a:p>
-                      </a:txBody>
-                      <a:tcPr/>
-                    </a:tc>
-                    <a:tc>
-                      <a:txBody>
-                        <a:bodyPr/>
-                        <a:lstStyle/>
-                        <a:p>
-                          <a:pPr marL="0" marR="0" lvl="0" indent="0" algn="l" defTabSz="914400" rtl="0" eaLnBrk="1" fontAlgn="auto" latinLnBrk="0" hangingPunct="1">
-                            <a:lnSpc>
-                              <a:spcPct val="100000"/>
-                            </a:lnSpc>
-                            <a:spcBef>
-                              <a:spcPts val="0"/>
-                            </a:spcBef>
-                            <a:spcAft>
-                              <a:spcPts val="0"/>
-                            </a:spcAft>
-                            <a:buClrTx/>
-                            <a:buSzTx/>
-                            <a:buFontTx/>
-                            <a:buNone/>
-                            <a:tabLst/>
-                            <a:defRPr/>
-                          </a:pPr>
-                          <a14:m>
-                            <m:oMath xmlns:m="http://schemas.openxmlformats.org/officeDocument/2006/math">
-                              <m:sSup>
-                                <m:sSupPr>
-                                  <m:ctrlPr>
-                                    <a:rPr lang="tr-TR" sz="2400" b="1" i="1" dirty="0" smtClean="0">
-                                      <a:latin typeface="Cambria Math" panose="02040503050406030204" pitchFamily="18" charset="0"/>
-                                    </a:rPr>
-                                  </m:ctrlPr>
-                                </m:sSupPr>
-                                <m:e>
-                                  <m:r>
-                                    <a:rPr lang="en-US" sz="2400" b="1" dirty="0" smtClean="0">
-                                      <a:latin typeface="Cambria Math" panose="02040503050406030204" pitchFamily="18" charset="0"/>
-                                    </a:rPr>
-                                    <m:t>𝟏</m:t>
-                                  </m:r>
-                                  <m:r>
-                                    <a:rPr lang="en-US" sz="2400" b="1" dirty="0" smtClean="0">
-                                      <a:latin typeface="Cambria Math" panose="02040503050406030204" pitchFamily="18" charset="0"/>
-                                    </a:rPr>
-                                    <m:t>−(</m:t>
-                                  </m:r>
-                                  <m:f>
-                                    <m:fPr>
-                                      <m:ctrlPr>
-                                        <a:rPr lang="tr-TR" sz="2400" b="1" i="1" dirty="0" smtClean="0">
-                                          <a:latin typeface="Cambria Math" panose="02040503050406030204" pitchFamily="18" charset="0"/>
-                                        </a:rPr>
-                                      </m:ctrlPr>
-                                    </m:fPr>
-                                    <m:num>
-                                      <m:r>
-                                        <a:rPr lang="tr-TR" sz="2400" b="1" dirty="0" smtClean="0">
-                                          <a:latin typeface="Cambria Math" panose="02040503050406030204" pitchFamily="18" charset="0"/>
-                                        </a:rPr>
-                                        <m:t>𝑻</m:t>
-                                      </m:r>
-                                    </m:num>
-                                    <m:den>
-                                      <m:r>
-                                        <a:rPr lang="tr-TR" sz="2400" b="1" dirty="0" smtClean="0">
-                                          <a:latin typeface="Cambria Math" panose="02040503050406030204" pitchFamily="18" charset="0"/>
-                                        </a:rPr>
-                                        <m:t>𝟏𝟎𝟎</m:t>
-                                      </m:r>
-                                    </m:den>
-                                  </m:f>
-                                  <m:r>
-                                    <a:rPr lang="tr-TR" sz="2400" b="1" dirty="0" smtClean="0">
-                                      <a:latin typeface="Cambria Math" panose="02040503050406030204" pitchFamily="18" charset="0"/>
-                                    </a:rPr>
-                                    <m:t>)</m:t>
-                                  </m:r>
-                                </m:e>
-                                <m:sup>
-                                  <m:r>
-                                    <a:rPr lang="tr-TR" sz="2400" b="1" dirty="0" smtClean="0">
-                                      <a:latin typeface="Cambria Math" panose="02040503050406030204" pitchFamily="18" charset="0"/>
-                                    </a:rPr>
-                                    <m:t>𝟐</m:t>
-                                  </m:r>
-                                </m:sup>
-                              </m:sSup>
-                            </m:oMath>
-                          </a14:m>
-                          <a:r>
-                            <a:rPr lang="tr-TR" sz="2400" b="1" dirty="0"/>
-                            <a:t>  </a:t>
-                          </a:r>
-                          <a:r>
-                            <a:rPr lang="tr-TR" sz="2400" dirty="0"/>
-                            <a:t>olasılıkla </a:t>
-                          </a:r>
-                          <a:r>
-                            <a:rPr lang="en-US" sz="2400" dirty="0"/>
-                            <a:t>4</a:t>
-                          </a:r>
-                          <a:r>
-                            <a:rPr lang="tr-TR" sz="2400" dirty="0"/>
-                            <a:t> Puan kazanacaksınız.</a:t>
-                          </a:r>
-                        </a:p>
-                        <a:p>
-                          <a:endParaRPr lang="en-US" sz="2400" dirty="0"/>
-                        </a:p>
-                      </a:txBody>
-                      <a:tcPr/>
-                    </a:tc>
-                    <a:extLst>
-                      <a:ext uri="{0D108BD9-81ED-4DB2-BD59-A6C34878D82A}">
-                        <a16:rowId xmlns:a16="http://schemas.microsoft.com/office/drawing/2014/main" val="4062553038"/>
-                      </a:ext>
-                    </a:extLst>
-                  </a:tr>
-                </a:tbl>
-              </a:graphicData>
-            </a:graphic>
-          </p:graphicFrame>
-        </mc:Choice>
-        <mc:Fallback xmlns="">
-          <p:graphicFrame>
-            <p:nvGraphicFramePr>
-              <p:cNvPr id="2" name="Table 3">
-                <a:extLst>
-                  <a:ext uri="{FF2B5EF4-FFF2-40B4-BE49-F238E27FC236}">
-                    <a16:creationId xmlns:a16="http://schemas.microsoft.com/office/drawing/2014/main" id="{1EA86D58-441E-4FDC-8D81-94E53D991D4A}"/>
-                  </a:ext>
-                </a:extLst>
-              </p:cNvPr>
-              <p:cNvGraphicFramePr>
-                <a:graphicFrameLocks noGrp="1"/>
-              </p:cNvGraphicFramePr>
-              <p:nvPr>
-                <p:extLst>
-                  <p:ext uri="{D42A27DB-BD31-4B8C-83A1-F6EECF244321}">
-                    <p14:modId xmlns:p14="http://schemas.microsoft.com/office/powerpoint/2010/main" val="3890260031"/>
-                  </p:ext>
-                </p:extLst>
-              </p:nvPr>
-            </p:nvGraphicFramePr>
-            <p:xfrm>
-              <a:off x="1510748" y="3429000"/>
-              <a:ext cx="9170504" cy="2172462"/>
-            </p:xfrm>
-            <a:graphic>
-              <a:graphicData uri="http://schemas.openxmlformats.org/drawingml/2006/table">
-                <a:tbl>
-                  <a:tblPr firstRow="1" bandRow="1">
-                    <a:tableStyleId>{C083E6E3-FA7D-4D7B-A595-EF9225AFEA82}</a:tableStyleId>
-                  </a:tblPr>
-                  <a:tblGrid>
-                    <a:gridCol w="4585252">
-                      <a:extLst>
-                        <a:ext uri="{9D8B030D-6E8A-4147-A177-3AD203B41FA5}">
-                          <a16:colId xmlns:a16="http://schemas.microsoft.com/office/drawing/2014/main" val="2347513989"/>
-                        </a:ext>
-                      </a:extLst>
-                    </a:gridCol>
-                    <a:gridCol w="4585252">
-                      <a:extLst>
-                        <a:ext uri="{9D8B030D-6E8A-4147-A177-3AD203B41FA5}">
-                          <a16:colId xmlns:a16="http://schemas.microsoft.com/office/drawing/2014/main" val="2318256240"/>
-                        </a:ext>
-                      </a:extLst>
-                    </a:gridCol>
-                  </a:tblGrid>
-                  <a:tr h="822960">
-                    <a:tc>
-                      <a:txBody>
-                        <a:bodyPr/>
-                        <a:lstStyle/>
-                        <a:p>
-                          <a:r>
-                            <a:rPr lang="tr-TR" sz="2400" dirty="0"/>
-                            <a:t>Eğer çalışan gerçekten 1. Tip ise:</a:t>
-                          </a:r>
-                        </a:p>
-                        <a:p>
-                          <a:endParaRPr lang="en-US" sz="2400" dirty="0"/>
-                        </a:p>
-                      </a:txBody>
-                      <a:tcPr/>
-                    </a:tc>
-                    <a:tc>
-                      <a:txBody>
-                        <a:bodyPr/>
-                        <a:lstStyle/>
-                        <a:p>
-                          <a:pPr marL="0" marR="0" lvl="0" indent="0" algn="l" defTabSz="914400" rtl="0" eaLnBrk="1" fontAlgn="auto" latinLnBrk="0" hangingPunct="1">
-                            <a:lnSpc>
-                              <a:spcPct val="100000"/>
-                            </a:lnSpc>
-                            <a:spcBef>
-                              <a:spcPts val="0"/>
-                            </a:spcBef>
-                            <a:spcAft>
-                              <a:spcPts val="0"/>
-                            </a:spcAft>
-                            <a:buClrTx/>
-                            <a:buSzTx/>
-                            <a:buFontTx/>
-                            <a:buNone/>
-                            <a:tabLst/>
-                            <a:defRPr/>
-                          </a:pPr>
-                          <a:r>
-                            <a:rPr lang="tr-TR" sz="2400" dirty="0"/>
-                            <a:t>Eğer çalışan 2. Tip ise:</a:t>
-                          </a:r>
-                        </a:p>
-                        <a:p>
-                          <a:endParaRPr lang="en-US" sz="2400" dirty="0"/>
-                        </a:p>
-                      </a:txBody>
-                      <a:tcPr/>
-                    </a:tc>
-                    <a:extLst>
-                      <a:ext uri="{0D108BD9-81ED-4DB2-BD59-A6C34878D82A}">
-                        <a16:rowId xmlns:a16="http://schemas.microsoft.com/office/drawing/2014/main" val="467209948"/>
-                      </a:ext>
-                    </a:extLst>
-                  </a:tr>
-                  <a:tr h="1349502">
-                    <a:tc>
-                      <a:txBody>
-                        <a:bodyPr/>
-                        <a:lstStyle/>
-                        <a:p>
-                          <a:endParaRPr lang="en-US"/>
-                        </a:p>
-                      </a:txBody>
-                      <a:tcPr>
-                        <a:blipFill>
-                          <a:blip r:embed="rId2"/>
-                          <a:stretch>
-                            <a:fillRect t="-63964" r="-100133" b="-450"/>
-                          </a:stretch>
-                        </a:blipFill>
-                      </a:tcPr>
-                    </a:tc>
-                    <a:tc>
-                      <a:txBody>
-                        <a:bodyPr/>
-                        <a:lstStyle/>
-                        <a:p>
-                          <a:endParaRPr lang="en-US"/>
-                        </a:p>
-                      </a:txBody>
-                      <a:tcPr>
-                        <a:blipFill>
-                          <a:blip r:embed="rId2"/>
-                          <a:stretch>
-                            <a:fillRect l="-100000" t="-63964" r="-133" b="-450"/>
-                          </a:stretch>
-                        </a:blipFill>
-                      </a:tcPr>
-                    </a:tc>
-                    <a:extLst>
-                      <a:ext uri="{0D108BD9-81ED-4DB2-BD59-A6C34878D82A}">
-                        <a16:rowId xmlns:a16="http://schemas.microsoft.com/office/drawing/2014/main" val="4062553038"/>
-                      </a:ext>
-                    </a:extLst>
-                  </a:tr>
-                </a:tbl>
-              </a:graphicData>
-            </a:graphic>
-          </p:graphicFrame>
-        </mc:Fallback>
-      </mc:AlternateContent>
-      <p:sp>
-        <p:nvSpPr>
-          <p:cNvPr id="4" name="Slide Number Placeholder 3">
-            <a:extLst>
-              <a:ext uri="{FF2B5EF4-FFF2-40B4-BE49-F238E27FC236}">
-                <a16:creationId xmlns:a16="http://schemas.microsoft.com/office/drawing/2014/main" id="{E5B47C90-3612-419B-B429-5BB38DA68EC0}"/>
-              </a:ext>
-            </a:extLst>
-          </p:cNvPr>
-          <p:cNvSpPr>
-            <a:spLocks noGrp="1"/>
-          </p:cNvSpPr>
-          <p:nvPr>
-            <p:ph type="sldNum" sz="quarter" idx="12"/>
-          </p:nvPr>
-        </p:nvSpPr>
-        <p:spPr/>
-        <p:txBody>
-          <a:bodyPr/>
-          <a:lstStyle/>
-          <a:p>
-            <a:fld id="{D1331099-91DF-4F04-88EB-DEE656C210F7}" type="slidenum">
-              <a:rPr lang="en-US" smtClean="0"/>
-              <a:t>17</a:t>
-            </a:fld>
-            <a:endParaRPr lang="en-US"/>
-          </a:p>
-        </p:txBody>
-      </p:sp>
-    </p:spTree>
-    <p:extLst>
-      <p:ext uri="{BB962C8B-B14F-4D97-AF65-F5344CB8AC3E}">
-        <p14:creationId xmlns:p14="http://schemas.microsoft.com/office/powerpoint/2010/main" val="3946342511"/>
-      </p:ext>
-    </p:extLst>
-  </p:cSld>
-  <p:clrMapOvr>
-    <a:masterClrMapping/>
-  </p:clrMapOvr>
-</p:sld>
-</file>
-
-<file path=ppt/slides/slide18.xml><?xml version="1.0" encoding="utf-8"?>
-<p:sld xmlns:a="http://schemas.openxmlformats.org/drawingml/2006/main" xmlns:r="http://schemas.openxmlformats.org/officeDocument/2006/relationships" xmlns:p="http://schemas.openxmlformats.org/presentationml/2006/main">
-  <p:cSld>
-    <p:spTree>
-      <p:nvGrpSpPr>
-        <p:cNvPr id="1" name=""/>
-        <p:cNvGrpSpPr/>
-        <p:nvPr/>
-      </p:nvGrpSpPr>
-      <p:grpSpPr>
-        <a:xfrm>
-          <a:off x="0" y="0"/>
-          <a:ext cx="0" cy="0"/>
-          <a:chOff x="0" y="0"/>
-          <a:chExt cx="0" cy="0"/>
-        </a:xfrm>
-      </p:grpSpPr>
-      <mc:AlternateContent xmlns:mc="http://schemas.openxmlformats.org/markup-compatibility/2006" xmlns:a14="http://schemas.microsoft.com/office/drawing/2010/main">
-        <mc:Choice Requires="a14">
-          <p:sp>
-            <p:nvSpPr>
-              <p:cNvPr id="3" name="Content Placeholder 2">
-                <a:extLst>
-                  <a:ext uri="{FF2B5EF4-FFF2-40B4-BE49-F238E27FC236}">
-                    <a16:creationId xmlns:a16="http://schemas.microsoft.com/office/drawing/2014/main" id="{8F1BA600-9BA7-48C6-9860-6997EF4209D4}"/>
-                  </a:ext>
-                </a:extLst>
-              </p:cNvPr>
-              <p:cNvSpPr>
-                <a:spLocks noGrp="1"/>
-              </p:cNvSpPr>
-              <p:nvPr>
-                <p:ph idx="1"/>
-              </p:nvPr>
-            </p:nvSpPr>
-            <p:spPr/>
-            <p:txBody>
-              <a:bodyPr>
-                <a:normAutofit/>
-              </a:bodyPr>
-              <a:lstStyle/>
-              <a:p>
-                <a:pPr>
-                  <a:lnSpc>
-                    <a:spcPct val="100000"/>
-                  </a:lnSpc>
-                </a:pPr>
-                <a:r>
-                  <a:rPr lang="tr-TR" sz="2200" dirty="0"/>
-                  <a:t>Örneğin diyelim ki </a:t>
-                </a:r>
-                <a:r>
-                  <a:rPr lang="tr-TR" sz="2200" i="1" dirty="0"/>
-                  <a:t>işveren</a:t>
-                </a:r>
-                <a:r>
-                  <a:rPr lang="tr-TR" sz="2200" dirty="0"/>
-                  <a:t>, </a:t>
-                </a:r>
-                <a:r>
-                  <a:rPr lang="tr-TR" sz="2200" i="1" dirty="0"/>
-                  <a:t>çalışanın</a:t>
-                </a:r>
-                <a:r>
-                  <a:rPr lang="tr-TR" sz="2200" dirty="0"/>
-                  <a:t> %</a:t>
-                </a:r>
-                <a:r>
-                  <a:rPr lang="tr-TR" sz="2200" b="1" dirty="0"/>
-                  <a:t>20</a:t>
-                </a:r>
-                <a:r>
-                  <a:rPr lang="tr-TR" sz="2200" dirty="0"/>
-                  <a:t> olasılıkla 1. Tip olduğu tahmininde bulundu. Bu durumda,</a:t>
-                </a:r>
-              </a:p>
-              <a:p>
-                <a:pPr>
-                  <a:lnSpc>
-                    <a:spcPct val="100000"/>
-                  </a:lnSpc>
-                </a:pPr>
-                <a:r>
-                  <a:rPr lang="tr-TR" sz="2200" dirty="0"/>
-                  <a:t>Eğer </a:t>
-                </a:r>
-                <a:r>
-                  <a:rPr lang="tr-TR" sz="2200" i="1" dirty="0"/>
-                  <a:t>çalışan</a:t>
-                </a:r>
-                <a:r>
-                  <a:rPr lang="tr-TR" sz="2200" dirty="0"/>
-                  <a:t> gerçekten 1. Tip ise:</a:t>
-                </a:r>
-              </a:p>
-              <a:p>
-                <a:pPr lvl="1">
-                  <a:lnSpc>
-                    <a:spcPct val="100000"/>
-                  </a:lnSpc>
-                </a:pPr>
-                <a14:m>
-                  <m:oMath xmlns:m="http://schemas.openxmlformats.org/officeDocument/2006/math">
-                    <m:r>
-                      <a:rPr lang="tr-TR" sz="2200" i="1" dirty="0" smtClean="0">
-                        <a:latin typeface="Cambria Math" panose="02040503050406030204" pitchFamily="18" charset="0"/>
-                      </a:rPr>
-                      <m:t>1 − </m:t>
-                    </m:r>
-                    <m:sSup>
-                      <m:sSupPr>
-                        <m:ctrlPr>
-                          <a:rPr lang="tr-TR" sz="2200" i="1" dirty="0" smtClean="0">
-                            <a:latin typeface="Cambria Math" panose="02040503050406030204" pitchFamily="18" charset="0"/>
-                          </a:rPr>
-                        </m:ctrlPr>
-                      </m:sSupPr>
-                      <m:e>
-                        <m:d>
-                          <m:dPr>
-                            <m:ctrlPr>
-                              <a:rPr lang="tr-TR" sz="2200" i="1" dirty="0" smtClean="0">
-                                <a:latin typeface="Cambria Math" panose="02040503050406030204" pitchFamily="18" charset="0"/>
-                              </a:rPr>
-                            </m:ctrlPr>
-                          </m:dPr>
-                          <m:e>
-                            <m:r>
-                              <a:rPr lang="tr-TR" sz="2200" i="1" dirty="0" smtClean="0">
-                                <a:latin typeface="Cambria Math" panose="02040503050406030204" pitchFamily="18" charset="0"/>
-                              </a:rPr>
-                              <m:t>1−</m:t>
-                            </m:r>
-                            <m:f>
-                              <m:fPr>
-                                <m:ctrlPr>
-                                  <a:rPr lang="tr-TR" sz="2200" i="1" dirty="0" smtClean="0">
-                                    <a:latin typeface="Cambria Math" panose="02040503050406030204" pitchFamily="18" charset="0"/>
-                                  </a:rPr>
-                                </m:ctrlPr>
-                              </m:fPr>
-                              <m:num>
-                                <m:r>
-                                  <a:rPr lang="tr-TR" sz="2200" b="0" i="1" dirty="0" smtClean="0">
-                                    <a:latin typeface="Cambria Math" panose="02040503050406030204" pitchFamily="18" charset="0"/>
-                                  </a:rPr>
-                                  <m:t>20</m:t>
-                                </m:r>
-                              </m:num>
-                              <m:den>
-                                <m:r>
-                                  <a:rPr lang="tr-TR" sz="2200" b="0" i="1" dirty="0" smtClean="0">
-                                    <a:latin typeface="Cambria Math" panose="02040503050406030204" pitchFamily="18" charset="0"/>
-                                  </a:rPr>
-                                  <m:t>100</m:t>
-                                </m:r>
-                              </m:den>
-                            </m:f>
-                          </m:e>
-                        </m:d>
-                      </m:e>
-                      <m:sup>
-                        <m:r>
-                          <a:rPr lang="tr-TR" sz="2200" b="0" i="1" dirty="0" smtClean="0">
-                            <a:latin typeface="Cambria Math" panose="02040503050406030204" pitchFamily="18" charset="0"/>
-                          </a:rPr>
-                          <m:t>2</m:t>
-                        </m:r>
-                      </m:sup>
-                    </m:sSup>
-                    <m:r>
-                      <a:rPr lang="tr-TR" sz="2200" b="0" i="1" dirty="0" smtClean="0">
-                        <a:latin typeface="Cambria Math" panose="02040503050406030204" pitchFamily="18" charset="0"/>
-                      </a:rPr>
-                      <m:t>=</m:t>
-                    </m:r>
-                    <m:r>
-                      <a:rPr lang="tr-TR" sz="2200" i="1" dirty="0" smtClean="0">
-                        <a:latin typeface="Cambria Math" panose="02040503050406030204" pitchFamily="18" charset="0"/>
-                      </a:rPr>
-                      <m:t>1 − </m:t>
-                    </m:r>
-                    <m:sSup>
-                      <m:sSupPr>
-                        <m:ctrlPr>
-                          <a:rPr lang="tr-TR" sz="2200" i="1" dirty="0" smtClean="0">
-                            <a:latin typeface="Cambria Math" panose="02040503050406030204" pitchFamily="18" charset="0"/>
-                          </a:rPr>
-                        </m:ctrlPr>
-                      </m:sSupPr>
-                      <m:e>
-                        <m:d>
-                          <m:dPr>
-                            <m:ctrlPr>
-                              <a:rPr lang="tr-TR" sz="2200" b="0" i="1" dirty="0" smtClean="0">
-                                <a:latin typeface="Cambria Math" panose="02040503050406030204" pitchFamily="18" charset="0"/>
-                              </a:rPr>
-                            </m:ctrlPr>
-                          </m:dPr>
-                          <m:e>
-                            <m:r>
-                              <a:rPr lang="tr-TR" sz="2200" b="0" i="1" dirty="0" smtClean="0">
-                                <a:latin typeface="Cambria Math" panose="02040503050406030204" pitchFamily="18" charset="0"/>
-                              </a:rPr>
-                              <m:t>0.8</m:t>
-                            </m:r>
-                          </m:e>
-                        </m:d>
-                      </m:e>
-                      <m:sup>
-                        <m:r>
-                          <a:rPr lang="tr-TR" sz="2200" b="0" i="1" dirty="0" smtClean="0">
-                            <a:latin typeface="Cambria Math" panose="02040503050406030204" pitchFamily="18" charset="0"/>
-                          </a:rPr>
-                          <m:t>2</m:t>
-                        </m:r>
-                      </m:sup>
-                    </m:sSup>
-                    <m:r>
-                      <a:rPr lang="tr-TR" sz="2200" b="0" i="1" dirty="0" smtClean="0">
-                        <a:latin typeface="Cambria Math" panose="02040503050406030204" pitchFamily="18" charset="0"/>
-                      </a:rPr>
-                      <m:t>=</m:t>
-                    </m:r>
-                    <m:r>
-                      <a:rPr lang="tr-TR" sz="2200" b="1" i="1" dirty="0" smtClean="0">
-                        <a:latin typeface="Cambria Math" panose="02040503050406030204" pitchFamily="18" charset="0"/>
-                      </a:rPr>
-                      <m:t>𝟎</m:t>
-                    </m:r>
-                    <m:r>
-                      <a:rPr lang="tr-TR" sz="2200" b="1" i="1" dirty="0" smtClean="0">
-                        <a:latin typeface="Cambria Math" panose="02040503050406030204" pitchFamily="18" charset="0"/>
-                      </a:rPr>
-                      <m:t>.</m:t>
-                    </m:r>
-                    <m:r>
-                      <a:rPr lang="tr-TR" sz="2200" b="1" i="1" dirty="0" smtClean="0">
-                        <a:latin typeface="Cambria Math" panose="02040503050406030204" pitchFamily="18" charset="0"/>
-                      </a:rPr>
-                      <m:t>𝟑𝟔</m:t>
-                    </m:r>
-                    <m:r>
-                      <a:rPr lang="tr-TR" sz="2200" b="0" i="1" dirty="0" smtClean="0">
-                        <a:latin typeface="Cambria Math" panose="02040503050406030204" pitchFamily="18" charset="0"/>
-                      </a:rPr>
-                      <m:t> </m:t>
-                    </m:r>
-                  </m:oMath>
-                </a14:m>
-                <a:r>
-                  <a:rPr lang="tr-TR" sz="2200" dirty="0"/>
-                  <a:t>olasılıkla </a:t>
-                </a:r>
-                <a:r>
-                  <a:rPr lang="en-US" sz="2200" dirty="0"/>
-                  <a:t>4 </a:t>
-                </a:r>
-                <a:r>
-                  <a:rPr lang="tr-TR" sz="2200" dirty="0"/>
-                  <a:t>Puan,</a:t>
-                </a:r>
-              </a:p>
-              <a:p>
-                <a:pPr lvl="1">
-                  <a:lnSpc>
-                    <a:spcPct val="100000"/>
-                  </a:lnSpc>
-                </a:pPr>
-                <a14:m>
-                  <m:oMath xmlns:m="http://schemas.openxmlformats.org/officeDocument/2006/math">
-                    <m:r>
-                      <a:rPr lang="tr-TR" sz="2200" b="1" i="1" dirty="0" smtClean="0">
-                        <a:latin typeface="Cambria Math" panose="02040503050406030204" pitchFamily="18" charset="0"/>
-                      </a:rPr>
-                      <m:t>𝟎</m:t>
-                    </m:r>
-                    <m:r>
-                      <a:rPr lang="tr-TR" sz="2200" b="1" i="1" dirty="0" smtClean="0">
-                        <a:latin typeface="Cambria Math" panose="02040503050406030204" pitchFamily="18" charset="0"/>
-                      </a:rPr>
-                      <m:t>.</m:t>
-                    </m:r>
-                    <m:r>
-                      <a:rPr lang="tr-TR" sz="2200" b="1" i="1" dirty="0" smtClean="0">
-                        <a:latin typeface="Cambria Math" panose="02040503050406030204" pitchFamily="18" charset="0"/>
-                      </a:rPr>
-                      <m:t>𝟔𝟒</m:t>
-                    </m:r>
-                    <m:r>
-                      <a:rPr lang="tr-TR" sz="2200" b="0" i="1" dirty="0" smtClean="0">
-                        <a:latin typeface="Cambria Math" panose="02040503050406030204" pitchFamily="18" charset="0"/>
-                      </a:rPr>
-                      <m:t> </m:t>
-                    </m:r>
-                  </m:oMath>
-                </a14:m>
-                <a:r>
-                  <a:rPr lang="tr-TR" sz="2200" dirty="0"/>
-                  <a:t>olasılıkla ise  0 PUAN kazanacaksınız.</a:t>
-                </a:r>
-              </a:p>
-              <a:p>
-                <a:pPr>
-                  <a:lnSpc>
-                    <a:spcPct val="100000"/>
-                  </a:lnSpc>
-                </a:pPr>
-                <a:r>
-                  <a:rPr lang="tr-TR" sz="2200" dirty="0"/>
-                  <a:t>Eğer </a:t>
-                </a:r>
-                <a:r>
-                  <a:rPr lang="tr-TR" sz="2200" i="1" dirty="0"/>
-                  <a:t>çalışan</a:t>
-                </a:r>
-                <a:r>
-                  <a:rPr lang="tr-TR" sz="2200" dirty="0"/>
-                  <a:t> 2. Tip ise:</a:t>
-                </a:r>
-              </a:p>
-              <a:p>
-                <a:pPr lvl="1">
-                  <a:lnSpc>
-                    <a:spcPct val="100000"/>
-                  </a:lnSpc>
-                </a:pPr>
-                <a14:m>
-                  <m:oMath xmlns:m="http://schemas.openxmlformats.org/officeDocument/2006/math">
-                    <m:r>
-                      <a:rPr lang="tr-TR" sz="2200" i="1" dirty="0">
-                        <a:latin typeface="Cambria Math" panose="02040503050406030204" pitchFamily="18" charset="0"/>
-                      </a:rPr>
-                      <m:t>1 − </m:t>
-                    </m:r>
-                    <m:sSup>
-                      <m:sSupPr>
-                        <m:ctrlPr>
-                          <a:rPr lang="tr-TR" sz="2200" i="1" dirty="0">
-                            <a:latin typeface="Cambria Math" panose="02040503050406030204" pitchFamily="18" charset="0"/>
-                          </a:rPr>
-                        </m:ctrlPr>
-                      </m:sSupPr>
-                      <m:e>
-                        <m:d>
-                          <m:dPr>
-                            <m:ctrlPr>
-                              <a:rPr lang="tr-TR" sz="2200" i="1" dirty="0">
-                                <a:latin typeface="Cambria Math" panose="02040503050406030204" pitchFamily="18" charset="0"/>
-                              </a:rPr>
-                            </m:ctrlPr>
-                          </m:dPr>
-                          <m:e>
-                            <m:f>
-                              <m:fPr>
-                                <m:ctrlPr>
-                                  <a:rPr lang="tr-TR" sz="2200" i="1" dirty="0">
-                                    <a:latin typeface="Cambria Math" panose="02040503050406030204" pitchFamily="18" charset="0"/>
-                                  </a:rPr>
-                                </m:ctrlPr>
-                              </m:fPr>
-                              <m:num>
-                                <m:r>
-                                  <a:rPr lang="tr-TR" sz="2200" i="1" dirty="0">
-                                    <a:latin typeface="Cambria Math" panose="02040503050406030204" pitchFamily="18" charset="0"/>
-                                  </a:rPr>
-                                  <m:t>20</m:t>
-                                </m:r>
-                              </m:num>
-                              <m:den>
-                                <m:r>
-                                  <a:rPr lang="tr-TR" sz="2200" i="1" dirty="0">
-                                    <a:latin typeface="Cambria Math" panose="02040503050406030204" pitchFamily="18" charset="0"/>
-                                  </a:rPr>
-                                  <m:t>100</m:t>
-                                </m:r>
-                              </m:den>
-                            </m:f>
-                          </m:e>
-                        </m:d>
-                      </m:e>
-                      <m:sup>
-                        <m:r>
-                          <a:rPr lang="tr-TR" sz="2200" i="1" dirty="0">
-                            <a:latin typeface="Cambria Math" panose="02040503050406030204" pitchFamily="18" charset="0"/>
-                          </a:rPr>
-                          <m:t>2</m:t>
-                        </m:r>
-                      </m:sup>
-                    </m:sSup>
-                    <m:r>
-                      <a:rPr lang="tr-TR" sz="2200" i="1" dirty="0">
-                        <a:latin typeface="Cambria Math" panose="02040503050406030204" pitchFamily="18" charset="0"/>
-                      </a:rPr>
-                      <m:t>=1 − </m:t>
-                    </m:r>
-                    <m:sSup>
-                      <m:sSupPr>
-                        <m:ctrlPr>
-                          <a:rPr lang="tr-TR" sz="2200" i="1" dirty="0">
-                            <a:latin typeface="Cambria Math" panose="02040503050406030204" pitchFamily="18" charset="0"/>
-                          </a:rPr>
-                        </m:ctrlPr>
-                      </m:sSupPr>
-                      <m:e>
-                        <m:d>
-                          <m:dPr>
-                            <m:ctrlPr>
-                              <a:rPr lang="tr-TR" sz="2200" i="1" dirty="0">
-                                <a:latin typeface="Cambria Math" panose="02040503050406030204" pitchFamily="18" charset="0"/>
-                              </a:rPr>
-                            </m:ctrlPr>
-                          </m:dPr>
-                          <m:e>
-                            <m:r>
-                              <a:rPr lang="tr-TR" sz="2200" i="1" dirty="0">
-                                <a:latin typeface="Cambria Math" panose="02040503050406030204" pitchFamily="18" charset="0"/>
-                              </a:rPr>
-                              <m:t>0.</m:t>
-                            </m:r>
-                            <m:r>
-                              <a:rPr lang="en-US" sz="2200" b="0" i="1" dirty="0" smtClean="0">
-                                <a:latin typeface="Cambria Math" panose="02040503050406030204" pitchFamily="18" charset="0"/>
-                              </a:rPr>
-                              <m:t>2</m:t>
-                            </m:r>
-                          </m:e>
-                        </m:d>
-                      </m:e>
-                      <m:sup>
-                        <m:r>
-                          <a:rPr lang="tr-TR" sz="2200" i="1" dirty="0">
-                            <a:latin typeface="Cambria Math" panose="02040503050406030204" pitchFamily="18" charset="0"/>
-                          </a:rPr>
-                          <m:t>2</m:t>
-                        </m:r>
-                      </m:sup>
-                    </m:sSup>
-                    <m:r>
-                      <a:rPr lang="tr-TR" sz="2200" i="1" dirty="0">
-                        <a:latin typeface="Cambria Math" panose="02040503050406030204" pitchFamily="18" charset="0"/>
-                      </a:rPr>
-                      <m:t>=</m:t>
-                    </m:r>
-                    <m:r>
-                      <a:rPr lang="tr-TR" sz="2200" b="1" i="1" dirty="0">
-                        <a:latin typeface="Cambria Math" panose="02040503050406030204" pitchFamily="18" charset="0"/>
-                      </a:rPr>
-                      <m:t>𝟎</m:t>
-                    </m:r>
-                    <m:r>
-                      <a:rPr lang="tr-TR" sz="2200" b="1" i="1" dirty="0">
-                        <a:latin typeface="Cambria Math" panose="02040503050406030204" pitchFamily="18" charset="0"/>
-                      </a:rPr>
-                      <m:t>.</m:t>
-                    </m:r>
-                    <m:r>
-                      <a:rPr lang="en-US" sz="2200" b="1" i="1" dirty="0" smtClean="0">
-                        <a:latin typeface="Cambria Math" panose="02040503050406030204" pitchFamily="18" charset="0"/>
-                      </a:rPr>
-                      <m:t>𝟗</m:t>
-                    </m:r>
-                    <m:r>
-                      <a:rPr lang="tr-TR" sz="2200" b="1" i="1" dirty="0">
-                        <a:latin typeface="Cambria Math" panose="02040503050406030204" pitchFamily="18" charset="0"/>
-                      </a:rPr>
-                      <m:t>𝟔</m:t>
-                    </m:r>
-                    <m:r>
-                      <a:rPr lang="tr-TR" sz="2200" i="1" dirty="0">
-                        <a:latin typeface="Cambria Math" panose="02040503050406030204" pitchFamily="18" charset="0"/>
-                      </a:rPr>
-                      <m:t> </m:t>
-                    </m:r>
-                  </m:oMath>
-                </a14:m>
-                <a:r>
-                  <a:rPr lang="tr-TR" sz="2200" dirty="0"/>
-                  <a:t>olasılıkla </a:t>
-                </a:r>
-                <a:r>
-                  <a:rPr lang="en-US" sz="2200" dirty="0"/>
-                  <a:t>4 </a:t>
-                </a:r>
-                <a:r>
-                  <a:rPr lang="tr-TR" sz="2200" dirty="0"/>
-                  <a:t>Puan,</a:t>
-                </a:r>
-              </a:p>
-              <a:p>
-                <a:pPr lvl="1">
-                  <a:lnSpc>
-                    <a:spcPct val="100000"/>
-                  </a:lnSpc>
-                </a:pPr>
-                <a14:m>
-                  <m:oMath xmlns:m="http://schemas.openxmlformats.org/officeDocument/2006/math">
-                    <m:r>
-                      <a:rPr lang="tr-TR" sz="2200" b="1" i="1" dirty="0" smtClean="0">
-                        <a:latin typeface="Cambria Math" panose="02040503050406030204" pitchFamily="18" charset="0"/>
-                      </a:rPr>
-                      <m:t>𝟎</m:t>
-                    </m:r>
-                    <m:r>
-                      <a:rPr lang="tr-TR" sz="2200" b="1" i="1" dirty="0" smtClean="0">
-                        <a:latin typeface="Cambria Math" panose="02040503050406030204" pitchFamily="18" charset="0"/>
-                      </a:rPr>
-                      <m:t>.</m:t>
-                    </m:r>
-                    <m:r>
-                      <a:rPr lang="en-US" sz="2200" b="1" i="1" dirty="0" smtClean="0">
-                        <a:latin typeface="Cambria Math" panose="02040503050406030204" pitchFamily="18" charset="0"/>
-                      </a:rPr>
-                      <m:t>𝟎𝟒</m:t>
-                    </m:r>
-                    <m:r>
-                      <a:rPr lang="tr-TR" sz="2200" b="0" i="1" dirty="0" smtClean="0">
-                        <a:latin typeface="Cambria Math" panose="02040503050406030204" pitchFamily="18" charset="0"/>
-                      </a:rPr>
-                      <m:t> </m:t>
-                    </m:r>
-                  </m:oMath>
-                </a14:m>
-                <a:r>
-                  <a:rPr lang="tr-TR" sz="2200" dirty="0"/>
-                  <a:t>olasılıkla ise  0 PUAN kazanacaksınız.</a:t>
-                </a:r>
-              </a:p>
-            </p:txBody>
-          </p:sp>
-        </mc:Choice>
-        <mc:Fallback xmlns="">
-          <p:sp>
-            <p:nvSpPr>
-              <p:cNvPr id="3" name="Content Placeholder 2">
-                <a:extLst>
-                  <a:ext uri="{FF2B5EF4-FFF2-40B4-BE49-F238E27FC236}">
-                    <a16:creationId xmlns:a16="http://schemas.microsoft.com/office/drawing/2014/main" id="{8F1BA600-9BA7-48C6-9860-6997EF4209D4}"/>
-                  </a:ext>
-                </a:extLst>
-              </p:cNvPr>
-              <p:cNvSpPr>
-                <a:spLocks noGrp="1" noRot="1" noChangeAspect="1" noMove="1" noResize="1" noEditPoints="1" noAdjustHandles="1" noChangeArrowheads="1" noChangeShapeType="1" noTextEdit="1"/>
-              </p:cNvSpPr>
-              <p:nvPr>
-                <p:ph idx="1"/>
-              </p:nvPr>
-            </p:nvSpPr>
-            <p:spPr>
-              <a:blipFill>
-                <a:blip r:embed="rId2"/>
-                <a:stretch>
-                  <a:fillRect l="-696" t="-840"/>
-                </a:stretch>
-              </a:blipFill>
-            </p:spPr>
-            <p:txBody>
-              <a:bodyPr/>
-              <a:lstStyle/>
-              <a:p>
-                <a:r>
-                  <a:rPr lang="en-US">
-                    <a:noFill/>
-                  </a:rPr>
-                  <a:t> </a:t>
-                </a:r>
-              </a:p>
-            </p:txBody>
-          </p:sp>
-        </mc:Fallback>
-      </mc:AlternateContent>
-      <p:sp>
-        <p:nvSpPr>
-          <p:cNvPr id="5" name="Title 4">
-            <a:extLst>
-              <a:ext uri="{FF2B5EF4-FFF2-40B4-BE49-F238E27FC236}">
-                <a16:creationId xmlns:a16="http://schemas.microsoft.com/office/drawing/2014/main" id="{12481238-0B40-4A09-9E9B-38F5D73CC123}"/>
-              </a:ext>
-            </a:extLst>
-          </p:cNvPr>
-          <p:cNvSpPr>
-            <a:spLocks noGrp="1"/>
-          </p:cNvSpPr>
-          <p:nvPr>
-            <p:ph type="title"/>
-          </p:nvPr>
-        </p:nvSpPr>
-        <p:spPr/>
-        <p:txBody>
-          <a:bodyPr/>
-          <a:lstStyle/>
-          <a:p>
-            <a:r>
-              <a:rPr lang="tr-TR" dirty="0"/>
-              <a:t>İşveren: </a:t>
-            </a:r>
-            <a:r>
-              <a:rPr lang="en-US" dirty="0"/>
-              <a:t>E</a:t>
-            </a:r>
-            <a:r>
-              <a:rPr lang="tr-TR" dirty="0"/>
-              <a:t>k kazanç</a:t>
-            </a:r>
-            <a:endParaRPr lang="en-US" dirty="0"/>
-          </a:p>
-        </p:txBody>
-      </p:sp>
-      <p:sp>
-        <p:nvSpPr>
-          <p:cNvPr id="2" name="Slide Number Placeholder 1">
-            <a:extLst>
-              <a:ext uri="{FF2B5EF4-FFF2-40B4-BE49-F238E27FC236}">
-                <a16:creationId xmlns:a16="http://schemas.microsoft.com/office/drawing/2014/main" id="{6A71C941-657E-4AA1-B03F-528B5895726A}"/>
-              </a:ext>
-            </a:extLst>
-          </p:cNvPr>
-          <p:cNvSpPr>
-            <a:spLocks noGrp="1"/>
-          </p:cNvSpPr>
-          <p:nvPr>
-            <p:ph type="sldNum" sz="quarter" idx="12"/>
-          </p:nvPr>
-        </p:nvSpPr>
-        <p:spPr/>
-        <p:txBody>
-          <a:bodyPr/>
-          <a:lstStyle/>
-          <a:p>
-            <a:fld id="{D1331099-91DF-4F04-88EB-DEE656C210F7}" type="slidenum">
-              <a:rPr lang="en-US" smtClean="0"/>
-              <a:t>18</a:t>
-            </a:fld>
-            <a:endParaRPr lang="en-US"/>
-          </a:p>
-        </p:txBody>
-      </p:sp>
-    </p:spTree>
-    <p:extLst>
-      <p:ext uri="{BB962C8B-B14F-4D97-AF65-F5344CB8AC3E}">
-        <p14:creationId xmlns:p14="http://schemas.microsoft.com/office/powerpoint/2010/main" val="1258843154"/>
-      </p:ext>
-    </p:extLst>
-  </p:cSld>
-  <p:clrMapOvr>
-    <a:masterClrMapping/>
-  </p:clrMapOvr>
-</p:sld>
-</file>
-
-<file path=ppt/slides/slide19.xml><?xml version="1.0" encoding="utf-8"?>
-<p:sld xmlns:a="http://schemas.openxmlformats.org/drawingml/2006/main" xmlns:r="http://schemas.openxmlformats.org/officeDocument/2006/relationships" xmlns:p="http://schemas.openxmlformats.org/presentationml/2006/main">
-  <p:cSld>
-    <p:spTree>
-      <p:nvGrpSpPr>
-        <p:cNvPr id="1" name=""/>
-        <p:cNvGrpSpPr/>
-        <p:nvPr/>
-      </p:nvGrpSpPr>
-      <p:grpSpPr>
-        <a:xfrm>
-          <a:off x="0" y="0"/>
-          <a:ext cx="0" cy="0"/>
-          <a:chOff x="0" y="0"/>
-          <a:chExt cx="0" cy="0"/>
-        </a:xfrm>
-      </p:grpSpPr>
-      <p:sp>
-        <p:nvSpPr>
-          <p:cNvPr id="3" name="Content Placeholder 2">
-            <a:extLst>
-              <a:ext uri="{FF2B5EF4-FFF2-40B4-BE49-F238E27FC236}">
-                <a16:creationId xmlns:a16="http://schemas.microsoft.com/office/drawing/2014/main" id="{8F1BA600-9BA7-48C6-9860-6997EF4209D4}"/>
-              </a:ext>
-            </a:extLst>
-          </p:cNvPr>
-          <p:cNvSpPr>
-            <a:spLocks noGrp="1"/>
-          </p:cNvSpPr>
-          <p:nvPr>
-            <p:ph idx="1"/>
-          </p:nvPr>
-        </p:nvSpPr>
-        <p:spPr/>
-        <p:txBody>
-          <a:bodyPr>
-            <a:normAutofit/>
-          </a:bodyPr>
-          <a:lstStyle/>
-          <a:p>
-            <a:pPr>
-              <a:lnSpc>
-                <a:spcPct val="100000"/>
-              </a:lnSpc>
-            </a:pPr>
-            <a:r>
-              <a:rPr lang="tr-TR" sz="2200" dirty="0"/>
-              <a:t>Burada </a:t>
-            </a:r>
-            <a:r>
-              <a:rPr lang="tr-TR" sz="2200" i="1" dirty="0"/>
-              <a:t>çalışanın</a:t>
-            </a:r>
-            <a:r>
-              <a:rPr lang="tr-TR" sz="2200" dirty="0"/>
-              <a:t> 1. Tip olması ihtimali hakkında gerçekten ne düşündüğünüzü doğru şekilde söylemeniz mantıklıdır.</a:t>
-            </a:r>
-          </a:p>
-          <a:p>
-            <a:pPr>
-              <a:lnSpc>
-                <a:spcPct val="100000"/>
-              </a:lnSpc>
-            </a:pPr>
-            <a:endParaRPr lang="tr-TR" sz="2200" dirty="0"/>
-          </a:p>
-          <a:p>
-            <a:pPr>
-              <a:lnSpc>
-                <a:spcPct val="100000"/>
-              </a:lnSpc>
-            </a:pPr>
-            <a:r>
-              <a:rPr lang="tr-TR" sz="2200" dirty="0"/>
-              <a:t>Örneğin, </a:t>
-            </a:r>
-            <a:r>
-              <a:rPr lang="tr-TR" sz="2200" i="1" dirty="0"/>
-              <a:t>çalışanın</a:t>
-            </a:r>
-            <a:r>
-              <a:rPr lang="tr-TR" sz="2200" dirty="0"/>
-              <a:t> 1. Tip olma ihtimalini sıfır olarak görüyorsanız, tahmininizi %0 seçmeniz gerekir. Bu durumda:</a:t>
-            </a:r>
-          </a:p>
-          <a:p>
-            <a:pPr lvl="1">
-              <a:lnSpc>
-                <a:spcPct val="100000"/>
-              </a:lnSpc>
-            </a:pPr>
-            <a:r>
-              <a:rPr lang="tr-TR" sz="2200" i="1" dirty="0"/>
-              <a:t>Çalışan</a:t>
-            </a:r>
-            <a:r>
-              <a:rPr lang="tr-TR" sz="2200" dirty="0"/>
-              <a:t> 2. Tip ise %100 ihtimalle (kesin olarak)  </a:t>
-            </a:r>
-            <a:r>
-              <a:rPr lang="en-US" sz="2200" dirty="0"/>
-              <a:t>4</a:t>
-            </a:r>
-            <a:r>
-              <a:rPr lang="tr-TR" sz="2200" dirty="0"/>
-              <a:t> PUAN kazanacaksınız. </a:t>
-            </a:r>
-          </a:p>
-          <a:p>
-            <a:pPr>
-              <a:lnSpc>
-                <a:spcPct val="100000"/>
-              </a:lnSpc>
-            </a:pPr>
-            <a:r>
-              <a:rPr lang="tr-TR" sz="2200" i="1" dirty="0"/>
-              <a:t>Çalışanın</a:t>
-            </a:r>
-            <a:r>
-              <a:rPr lang="tr-TR" sz="2200" dirty="0"/>
-              <a:t> 1. Tip olma ihtimalini yüzde yüz olarak görüyorsanız,  tahmininizi %100 seçmeniz gerekir. </a:t>
-            </a:r>
-          </a:p>
-          <a:p>
-            <a:pPr lvl="1">
-              <a:lnSpc>
-                <a:spcPct val="100000"/>
-              </a:lnSpc>
-            </a:pPr>
-            <a:r>
-              <a:rPr lang="tr-TR" sz="2200" i="1" dirty="0"/>
-              <a:t>Çalışan</a:t>
-            </a:r>
-            <a:r>
-              <a:rPr lang="tr-TR" sz="2200" dirty="0"/>
-              <a:t> 1. Tip  ise, %100 ihtimalle (kesin olarak)  </a:t>
-            </a:r>
-            <a:r>
-              <a:rPr lang="en-US" sz="2200" dirty="0"/>
-              <a:t>4</a:t>
-            </a:r>
-            <a:r>
-              <a:rPr lang="tr-TR" sz="2200" dirty="0"/>
-              <a:t> PUAN kazanacaksınız.</a:t>
-            </a:r>
-          </a:p>
-        </p:txBody>
-      </p:sp>
-      <p:sp>
-        <p:nvSpPr>
-          <p:cNvPr id="5" name="Title 4">
-            <a:extLst>
-              <a:ext uri="{FF2B5EF4-FFF2-40B4-BE49-F238E27FC236}">
-                <a16:creationId xmlns:a16="http://schemas.microsoft.com/office/drawing/2014/main" id="{12481238-0B40-4A09-9E9B-38F5D73CC123}"/>
-              </a:ext>
-            </a:extLst>
-          </p:cNvPr>
-          <p:cNvSpPr>
-            <a:spLocks noGrp="1"/>
-          </p:cNvSpPr>
-          <p:nvPr>
-            <p:ph type="title"/>
-          </p:nvPr>
-        </p:nvSpPr>
-        <p:spPr/>
-        <p:txBody>
-          <a:bodyPr/>
-          <a:lstStyle/>
-          <a:p>
-            <a:r>
-              <a:rPr lang="tr-TR" dirty="0"/>
-              <a:t>İşveren: </a:t>
-            </a:r>
-            <a:r>
-              <a:rPr lang="en-US" dirty="0"/>
-              <a:t>E</a:t>
-            </a:r>
-            <a:r>
-              <a:rPr lang="tr-TR" dirty="0"/>
-              <a:t>k kazanç</a:t>
-            </a:r>
-            <a:endParaRPr lang="en-US" dirty="0"/>
-          </a:p>
-        </p:txBody>
-      </p:sp>
-      <p:sp>
-        <p:nvSpPr>
-          <p:cNvPr id="2" name="Slide Number Placeholder 1">
-            <a:extLst>
-              <a:ext uri="{FF2B5EF4-FFF2-40B4-BE49-F238E27FC236}">
-                <a16:creationId xmlns:a16="http://schemas.microsoft.com/office/drawing/2014/main" id="{8270F967-E516-428A-AB7A-EC62148D32F2}"/>
-              </a:ext>
-            </a:extLst>
-          </p:cNvPr>
-          <p:cNvSpPr>
-            <a:spLocks noGrp="1"/>
-          </p:cNvSpPr>
-          <p:nvPr>
-            <p:ph type="sldNum" sz="quarter" idx="12"/>
-          </p:nvPr>
-        </p:nvSpPr>
-        <p:spPr/>
-        <p:txBody>
-          <a:bodyPr/>
-          <a:lstStyle/>
-          <a:p>
-            <a:fld id="{D1331099-91DF-4F04-88EB-DEE656C210F7}" type="slidenum">
-              <a:rPr lang="en-US" smtClean="0"/>
-              <a:t>19</a:t>
-            </a:fld>
-            <a:endParaRPr lang="en-US"/>
-          </a:p>
-        </p:txBody>
-      </p:sp>
-    </p:spTree>
-    <p:extLst>
-      <p:ext uri="{BB962C8B-B14F-4D97-AF65-F5344CB8AC3E}">
-        <p14:creationId xmlns:p14="http://schemas.microsoft.com/office/powerpoint/2010/main" val="3753100837"/>
-      </p:ext>
-    </p:extLst>
-  </p:cSld>
-  <p:clrMapOvr>
-    <a:masterClrMapping/>
-  </p:clrMapOvr>
-</p:sld>
-</file>
-
-<file path=ppt/slides/slide2.xml><?xml version="1.0" encoding="utf-8"?>
-<p:sld xmlns:a="http://schemas.openxmlformats.org/drawingml/2006/main" xmlns:r="http://schemas.openxmlformats.org/officeDocument/2006/relationships" xmlns:p="http://schemas.openxmlformats.org/presentationml/2006/main">
-  <p:cSld>
-    <p:spTree>
-      <p:nvGrpSpPr>
-        <p:cNvPr id="1" name=""/>
-        <p:cNvGrpSpPr/>
-        <p:nvPr/>
-      </p:nvGrpSpPr>
-      <p:grpSpPr>
-        <a:xfrm>
-          <a:off x="0" y="0"/>
-          <a:ext cx="0" cy="0"/>
-          <a:chOff x="0" y="0"/>
-          <a:chExt cx="0" cy="0"/>
-        </a:xfrm>
-      </p:grpSpPr>
-      <p:sp>
-        <p:nvSpPr>
-          <p:cNvPr id="3" name="Content Placeholder 2">
-            <a:extLst>
-              <a:ext uri="{FF2B5EF4-FFF2-40B4-BE49-F238E27FC236}">
-                <a16:creationId xmlns:a16="http://schemas.microsoft.com/office/drawing/2014/main" id="{F275A2D8-C779-431A-893E-09B9E193CFCA}"/>
-              </a:ext>
-            </a:extLst>
-          </p:cNvPr>
-          <p:cNvSpPr>
-            <a:spLocks noGrp="1"/>
-          </p:cNvSpPr>
-          <p:nvPr>
-            <p:ph idx="1"/>
-          </p:nvPr>
-        </p:nvSpPr>
-        <p:spPr>
-          <a:xfrm>
-            <a:off x="389743" y="543339"/>
-            <a:ext cx="11242623" cy="5618922"/>
-          </a:xfrm>
-        </p:spPr>
-        <p:txBody>
-          <a:bodyPr>
-            <a:noAutofit/>
-          </a:bodyPr>
-          <a:lstStyle/>
-          <a:p>
-            <a:pPr algn="just">
-              <a:lnSpc>
-                <a:spcPct val="100000"/>
-              </a:lnSpc>
-            </a:pPr>
-            <a:r>
-              <a:rPr lang="tr-TR" sz="1800" dirty="0"/>
-              <a:t>Bu bir karar alma deneyidir ve bilimsel bir projenin parçasıdır. </a:t>
-            </a:r>
-          </a:p>
-          <a:p>
-            <a:pPr algn="just">
-              <a:lnSpc>
-                <a:spcPct val="100000"/>
-              </a:lnSpc>
-            </a:pPr>
-            <a:r>
-              <a:rPr lang="tr-TR" sz="1800" dirty="0"/>
-              <a:t>Bu deneyin amacı, insanların farklı durumlarda nasıl karar verdiğini anlayabilmektir. Kararlarınız “doğru” ya da “yanlış” olarak değerlendirilmeyecektir.</a:t>
-            </a:r>
-          </a:p>
-          <a:p>
-            <a:pPr algn="just">
-              <a:lnSpc>
-                <a:spcPct val="100000"/>
-              </a:lnSpc>
-            </a:pPr>
-            <a:r>
-              <a:rPr lang="tr-TR" sz="1800" dirty="0"/>
-              <a:t> Deneyde elde edeceğiniz kazanç, alacağınız kararlara bağlıdır ve kazancınızın ne şekilde belirleneceği bu yönergede detaylı bir şekilde açıklanmıştır.  Bu nedenle, yönergeyi dikkatle okumanız ve anlamanız önemlidir. Elde edeceğiniz kazancın ödemesi, bu deney oturumunun bitiminde, sizin tercihinize göre, BELİS laboratuvarında nakit olarak veya şahsi banka hesabınıza para transferi şeklinde yapılacaktır. Kazancınız hakkında diğer katılımcılara bilgi verilmeyecektir. </a:t>
-            </a:r>
-          </a:p>
-          <a:p>
-            <a:pPr algn="just">
-              <a:lnSpc>
-                <a:spcPct val="100000"/>
-              </a:lnSpc>
-            </a:pPr>
-            <a:r>
-              <a:rPr lang="tr-TR" sz="1800" dirty="0"/>
-              <a:t>Aldığınız kararlar ve verdiğiniz cevaplar tamamen anonimdir, hiçbir kimlik bilgisi ile eşleştirilmemektedir. </a:t>
-            </a:r>
-          </a:p>
-          <a:p>
-            <a:pPr algn="just">
-              <a:lnSpc>
-                <a:spcPct val="100000"/>
-              </a:lnSpc>
-            </a:pPr>
-            <a:r>
-              <a:rPr lang="tr-TR" sz="1800" dirty="0"/>
-              <a:t>Deney tamamlanıncaya kadar diğer katılımcılarla iletişim kurmanız kesinlikle yasaktır. </a:t>
-            </a:r>
-          </a:p>
-          <a:p>
-            <a:pPr algn="just">
-              <a:lnSpc>
-                <a:spcPct val="100000"/>
-              </a:lnSpc>
-            </a:pPr>
-            <a:r>
-              <a:rPr lang="tr-TR" sz="1800" dirty="0"/>
-              <a:t>Deney süresince deney yöneticileri ile iletişiminiz sizinle uzantısı paylaşılmış olan Zoom oturumu aracılığı ile olacaktır. Deney yöneticileri bu oturum aracılığı ile sesli duyurular yapacak ve sizden gelebilecek soruları yanıtlayacaklardır. Bu nedenle, deney süresince Zoom oturumuna bağlı kalmanız ve oturuma bağlanmak için kullandığınız cihazın sesinin duyuruları işitecek şekilde açık tutmanız son derece önemlidir. Sorularınızı yönergeler okunduktan sonra Zoom oturumunun «chat» kısmını kullanarak deney yöneticilerine iletebilirsiniz.  </a:t>
-            </a:r>
-          </a:p>
-          <a:p>
-            <a:pPr algn="just">
-              <a:lnSpc>
-                <a:spcPct val="100000"/>
-              </a:lnSpc>
-            </a:pPr>
-            <a:r>
-              <a:rPr lang="tr-TR" sz="1800" dirty="0"/>
-              <a:t>Deneyde bot veya yapay zeka kullanılmamaktadır. </a:t>
-            </a:r>
-          </a:p>
-        </p:txBody>
-      </p:sp>
-      <p:sp>
-        <p:nvSpPr>
-          <p:cNvPr id="2" name="Slide Number Placeholder 1">
-            <a:extLst>
-              <a:ext uri="{FF2B5EF4-FFF2-40B4-BE49-F238E27FC236}">
-                <a16:creationId xmlns:a16="http://schemas.microsoft.com/office/drawing/2014/main" id="{67F7EBE1-98DA-4D3B-A2D7-24534E83A9DB}"/>
-              </a:ext>
-            </a:extLst>
-          </p:cNvPr>
-          <p:cNvSpPr>
-            <a:spLocks noGrp="1"/>
-          </p:cNvSpPr>
-          <p:nvPr>
-            <p:ph type="sldNum" sz="quarter" idx="12"/>
-          </p:nvPr>
-        </p:nvSpPr>
-        <p:spPr/>
-        <p:txBody>
-          <a:bodyPr/>
-          <a:lstStyle/>
-          <a:p>
-            <a:fld id="{D1331099-91DF-4F04-88EB-DEE656C210F7}" type="slidenum">
-              <a:rPr lang="en-US" smtClean="0"/>
-              <a:t>2</a:t>
-            </a:fld>
-            <a:endParaRPr lang="en-US" dirty="0"/>
-          </a:p>
-        </p:txBody>
-      </p:sp>
-    </p:spTree>
-    <p:extLst>
-      <p:ext uri="{BB962C8B-B14F-4D97-AF65-F5344CB8AC3E}">
-        <p14:creationId xmlns:p14="http://schemas.microsoft.com/office/powerpoint/2010/main" val="2926090968"/>
-      </p:ext>
-    </p:extLst>
-  </p:cSld>
-  <p:clrMapOvr>
-    <a:masterClrMapping/>
-  </p:clrMapOvr>
-</p:sld>
-</file>
-
-<file path=ppt/slides/slide20.xml><?xml version="1.0" encoding="utf-8"?>
 <p:sld xmlns:a="http://schemas.openxmlformats.org/drawingml/2006/main" xmlns:r="http://schemas.openxmlformats.org/officeDocument/2006/relationships" xmlns:p="http://schemas.openxmlformats.org/presentationml/2006/main">
   <p:cSld>
     <p:spTree>
@@ -13418,7 +11658,7 @@
           <a:p>
             <a:fld id="{D1331099-91DF-4F04-88EB-DEE656C210F7}" type="slidenum">
               <a:rPr lang="en-US" smtClean="0"/>
-              <a:t>20</a:t>
+              <a:t>17</a:t>
             </a:fld>
             <a:endParaRPr lang="en-US"/>
           </a:p>
@@ -13437,7 +11677,7 @@
 </p:sld>
 </file>
 
-<file path=ppt/slides/slide21.xml><?xml version="1.0" encoding="utf-8"?>
+<file path=ppt/slides/slide18.xml><?xml version="1.0" encoding="utf-8"?>
 <p:sld xmlns:a="http://schemas.openxmlformats.org/drawingml/2006/main" xmlns:r="http://schemas.openxmlformats.org/officeDocument/2006/relationships" xmlns:p="http://schemas.openxmlformats.org/presentationml/2006/main">
   <p:cSld>
     <p:spTree>
@@ -14260,7 +12500,7 @@
           <a:p>
             <a:fld id="{D1331099-91DF-4F04-88EB-DEE656C210F7}" type="slidenum">
               <a:rPr lang="en-US" smtClean="0"/>
-              <a:t>21</a:t>
+              <a:t>18</a:t>
             </a:fld>
             <a:endParaRPr lang="en-US"/>
           </a:p>
@@ -14279,7 +12519,7 @@
 </p:sld>
 </file>
 
-<file path=ppt/slides/slide22.xml><?xml version="1.0" encoding="utf-8"?>
+<file path=ppt/slides/slide19.xml><?xml version="1.0" encoding="utf-8"?>
 <p:sld xmlns:a="http://schemas.openxmlformats.org/drawingml/2006/main" xmlns:r="http://schemas.openxmlformats.org/officeDocument/2006/relationships" xmlns:p="http://schemas.openxmlformats.org/presentationml/2006/main">
   <p:cSld>
     <p:spTree>
@@ -15064,7 +13304,7 @@
           <a:p>
             <a:fld id="{D1331099-91DF-4F04-88EB-DEE656C210F7}" type="slidenum">
               <a:rPr lang="en-US" smtClean="0"/>
-              <a:t>22</a:t>
+              <a:t>19</a:t>
             </a:fld>
             <a:endParaRPr lang="en-US"/>
           </a:p>
@@ -15083,7 +13323,172 @@
 </p:sld>
 </file>
 
-<file path=ppt/slides/slide23.xml><?xml version="1.0" encoding="utf-8"?>
+<file path=ppt/slides/slide2.xml><?xml version="1.0" encoding="utf-8"?>
+<p:sld xmlns:a="http://schemas.openxmlformats.org/drawingml/2006/main" xmlns:r="http://schemas.openxmlformats.org/officeDocument/2006/relationships" xmlns:p="http://schemas.openxmlformats.org/presentationml/2006/main">
+  <p:cSld>
+    <p:spTree>
+      <p:nvGrpSpPr>
+        <p:cNvPr id="1" name=""/>
+        <p:cNvGrpSpPr/>
+        <p:nvPr/>
+      </p:nvGrpSpPr>
+      <p:grpSpPr>
+        <a:xfrm>
+          <a:off x="0" y="0"/>
+          <a:ext cx="0" cy="0"/>
+          <a:chOff x="0" y="0"/>
+          <a:chExt cx="0" cy="0"/>
+        </a:xfrm>
+      </p:grpSpPr>
+      <p:sp>
+        <p:nvSpPr>
+          <p:cNvPr id="3" name="Content Placeholder 2">
+            <a:extLst>
+              <a:ext uri="{FF2B5EF4-FFF2-40B4-BE49-F238E27FC236}">
+                <a16:creationId xmlns:a16="http://schemas.microsoft.com/office/drawing/2014/main" id="{F275A2D8-C779-431A-893E-09B9E193CFCA}"/>
+              </a:ext>
+            </a:extLst>
+          </p:cNvPr>
+          <p:cNvSpPr>
+            <a:spLocks noGrp="1"/>
+          </p:cNvSpPr>
+          <p:nvPr>
+            <p:ph idx="1"/>
+          </p:nvPr>
+        </p:nvSpPr>
+        <p:spPr>
+          <a:xfrm>
+            <a:off x="389743" y="543339"/>
+            <a:ext cx="11242623" cy="5618922"/>
+          </a:xfrm>
+        </p:spPr>
+        <p:txBody>
+          <a:bodyPr>
+            <a:noAutofit/>
+          </a:bodyPr>
+          <a:lstStyle/>
+          <a:p>
+            <a:pPr algn="just">
+              <a:lnSpc>
+                <a:spcPct val="100000"/>
+              </a:lnSpc>
+            </a:pPr>
+            <a:r>
+              <a:rPr lang="tr-TR" sz="1800" dirty="0"/>
+              <a:t>Bu bir karar alma deneyidir ve bilimsel bir projenin parçasıdır. </a:t>
+            </a:r>
+          </a:p>
+          <a:p>
+            <a:pPr algn="just">
+              <a:lnSpc>
+                <a:spcPct val="100000"/>
+              </a:lnSpc>
+            </a:pPr>
+            <a:r>
+              <a:rPr lang="tr-TR" sz="1800" dirty="0"/>
+              <a:t>Bu deneyin amacı, insanların farklı durumlarda nasıl karar verdiğini anlayabilmektir. Kararlarınız “doğru” ya da “yanlış” olarak değerlendirilmeyecektir.</a:t>
+            </a:r>
+          </a:p>
+          <a:p>
+            <a:pPr algn="just">
+              <a:lnSpc>
+                <a:spcPct val="100000"/>
+              </a:lnSpc>
+            </a:pPr>
+            <a:r>
+              <a:rPr lang="tr-TR" sz="1800" dirty="0"/>
+              <a:t> Deneyde elde edeceğiniz kazanç, alacağınız kararlara bağlıdır ve kazancınızın ne şekilde belirleneceği bu yönergede detaylı bir şekilde açıklanmıştır.  Bu nedenle, yönergeyi dikkatle okumanız ve anlamanız önemlidir. Elde edeceğiniz kazancın ödemesi, bu deney oturumunun bitiminde, sizin tercihinize göre, BELİS laboratuvarında nakit olarak veya şahsi banka hesabınıza para transferi şeklinde yapılacaktır. Kazancınız hakkında diğer katılımcılara bilgi verilmeyecektir. </a:t>
+            </a:r>
+          </a:p>
+          <a:p>
+            <a:pPr algn="just">
+              <a:lnSpc>
+                <a:spcPct val="100000"/>
+              </a:lnSpc>
+            </a:pPr>
+            <a:r>
+              <a:rPr lang="tr-TR" sz="1800" dirty="0"/>
+              <a:t>Aldığınız kararlar ve verdiğiniz cevaplar tamamen anonimdir, hiçbir kimlik bilgisi ile eşleştirilmemektedir. </a:t>
+            </a:r>
+          </a:p>
+          <a:p>
+            <a:pPr algn="just">
+              <a:lnSpc>
+                <a:spcPct val="100000"/>
+              </a:lnSpc>
+            </a:pPr>
+            <a:r>
+              <a:rPr lang="tr-TR" sz="1800" dirty="0"/>
+              <a:t>Deney tamamlanıncaya kadar diğer katılımcılarla iletişim kurmanız kesinlikle yasaktır. </a:t>
+            </a:r>
+          </a:p>
+          <a:p>
+            <a:pPr algn="just">
+              <a:lnSpc>
+                <a:spcPct val="100000"/>
+              </a:lnSpc>
+            </a:pPr>
+            <a:r>
+              <a:rPr lang="tr-TR" sz="1800" dirty="0"/>
+              <a:t>Deney süresince deney yöneticileri ile iletişiminiz sizinle uzantısı paylaşılmış olan Zoom oturumu aracılığı ile olacaktır. Deney yöneticileri bu oturum aracılığı ile sesli duyurular yapacak ve sizden gelebilecek soruları yanıtlayacaklardır. Bu nedenle, deney süresince Zoom oturumuna bağlı kalmanız ve oturuma bağlanmak için kullandığınız cihazın sesinin duyuruları işitecek şekilde açık tutmanız son derece önemlidir. Sorularınızı yönergeler okunduktan sonra Zoom oturumunun «chat» kısmını kullanarak deney yöneticilerine iletebilirsiniz.  </a:t>
+            </a:r>
+          </a:p>
+          <a:p>
+            <a:pPr algn="just">
+              <a:lnSpc>
+                <a:spcPct val="100000"/>
+              </a:lnSpc>
+            </a:pPr>
+            <a:r>
+              <a:rPr lang="tr-TR" sz="1800" dirty="0"/>
+              <a:t>Deneyde bot veya yapay zeka kullanılmamaktadır. </a:t>
+            </a:r>
+          </a:p>
+        </p:txBody>
+      </p:sp>
+      <p:sp>
+        <p:nvSpPr>
+          <p:cNvPr id="2" name="Slide Number Placeholder 1">
+            <a:extLst>
+              <a:ext uri="{FF2B5EF4-FFF2-40B4-BE49-F238E27FC236}">
+                <a16:creationId xmlns:a16="http://schemas.microsoft.com/office/drawing/2014/main" id="{67F7EBE1-98DA-4D3B-A2D7-24534E83A9DB}"/>
+              </a:ext>
+            </a:extLst>
+          </p:cNvPr>
+          <p:cNvSpPr>
+            <a:spLocks noGrp="1"/>
+          </p:cNvSpPr>
+          <p:nvPr>
+            <p:ph type="sldNum" sz="quarter" idx="12"/>
+          </p:nvPr>
+        </p:nvSpPr>
+        <p:spPr/>
+        <p:txBody>
+          <a:bodyPr/>
+          <a:lstStyle/>
+          <a:p>
+            <a:fld id="{D1331099-91DF-4F04-88EB-DEE656C210F7}" type="slidenum">
+              <a:rPr lang="en-US" smtClean="0"/>
+              <a:t>2</a:t>
+            </a:fld>
+            <a:endParaRPr lang="en-US" dirty="0"/>
+          </a:p>
+        </p:txBody>
+      </p:sp>
+    </p:spTree>
+    <p:extLst>
+      <p:ext uri="{BB962C8B-B14F-4D97-AF65-F5344CB8AC3E}">
+        <p14:creationId xmlns:p14="http://schemas.microsoft.com/office/powerpoint/2010/main" val="2926090968"/>
+      </p:ext>
+    </p:extLst>
+  </p:cSld>
+  <p:clrMapOvr>
+    <a:masterClrMapping/>
+  </p:clrMapOvr>
+</p:sld>
+</file>
+
+<file path=ppt/slides/slide20.xml><?xml version="1.0" encoding="utf-8"?>
 <p:sld xmlns:a="http://schemas.openxmlformats.org/drawingml/2006/main" xmlns:r="http://schemas.openxmlformats.org/officeDocument/2006/relationships" xmlns:p="http://schemas.openxmlformats.org/presentationml/2006/main">
   <p:cSld>
     <p:spTree>
@@ -15147,7 +13552,9 @@
         </p:nvSpPr>
         <p:spPr/>
         <p:txBody>
-          <a:bodyPr/>
+          <a:bodyPr>
+            <a:normAutofit/>
+          </a:bodyPr>
           <a:lstStyle/>
           <a:p>
             <a:pPr marL="514350" indent="-514350">
@@ -15202,7 +13609,26 @@
             </a:pPr>
             <a:r>
               <a:rPr lang="tr-TR" dirty="0"/>
-              <a:t>Anket. </a:t>
+              <a:t>Ekstra aşama.</a:t>
+            </a:r>
+          </a:p>
+          <a:p>
+            <a:pPr marL="457200" lvl="1" indent="0">
+              <a:buNone/>
+            </a:pPr>
+            <a:r>
+              <a:rPr lang="tr-TR" dirty="0"/>
+              <a:t> Bu aşama esas aşamadan bağımsızdır. Bu aşamada size 2 alternatif şansa bağlı seçenek sunulacaktır ve kararınıza göre bu bolümden para kazanacaksınız.</a:t>
+            </a:r>
+          </a:p>
+          <a:p>
+            <a:pPr marL="514350" indent="-514350">
+              <a:buFont typeface="+mj-lt"/>
+              <a:buAutoNum type="arabicPeriod"/>
+            </a:pPr>
+            <a:r>
+              <a:rPr lang="tr-TR" dirty="0"/>
+              <a:t>Anket</a:t>
             </a:r>
           </a:p>
         </p:txBody>
@@ -15230,7 +13656,7 @@
           <a:p>
             <a:fld id="{D1331099-91DF-4F04-88EB-DEE656C210F7}" type="slidenum">
               <a:rPr lang="en-US" smtClean="0"/>
-              <a:t>23</a:t>
+              <a:t>20</a:t>
             </a:fld>
             <a:endParaRPr lang="en-US"/>
           </a:p>
@@ -15249,7 +13675,7 @@
 </p:sld>
 </file>
 
-<file path=ppt/slides/slide24.xml><?xml version="1.0" encoding="utf-8"?>
+<file path=ppt/slides/slide21.xml><?xml version="1.0" encoding="utf-8"?>
 <p:sld xmlns:a="http://schemas.openxmlformats.org/drawingml/2006/main" xmlns:r="http://schemas.openxmlformats.org/officeDocument/2006/relationships" xmlns:p="http://schemas.openxmlformats.org/presentationml/2006/main">
   <p:cSld>
     <p:spTree>
@@ -15295,8 +13721,8 @@
           </a:p>
         </p:txBody>
       </p:sp>
-      <mc:AlternateContent xmlns:mc="http://schemas.openxmlformats.org/markup-compatibility/2006" xmlns:a14="http://schemas.microsoft.com/office/drawing/2010/main">
-        <mc:Choice Requires="a14">
+      <mc:AlternateContent xmlns:mc="http://schemas.openxmlformats.org/markup-compatibility/2006">
+        <mc:Choice xmlns:a14="http://schemas.microsoft.com/office/drawing/2010/main" Requires="a14">
           <p:sp>
             <p:nvSpPr>
               <p:cNvPr id="3" name="Content Placeholder 2">
@@ -15349,15 +13775,7 @@
                 </a:pPr>
                 <a:r>
                   <a:rPr lang="tr-TR" sz="2200" dirty="0"/>
-                  <a:t>Deney puanınız bu iki Bölümden kazandığınız puan ile </a:t>
-                </a:r>
-                <a:r>
-                  <a:rPr lang="tr-TR" sz="2200" dirty="0" err="1"/>
-                  <a:t>Quiz’den</a:t>
-                </a:r>
-                <a:r>
-                  <a:rPr lang="tr-TR" sz="2200" dirty="0"/>
-                  <a:t> kazandığınız puanların toplamı olacaktır. </a:t>
+                  <a:t>Deney puanınız bu iki Bölümden kazandığınız puan ile Quiz ve Ekstra aşamadan kazandığınız puanların toplamı olacaktır. </a:t>
                 </a:r>
               </a:p>
               <a:p>
@@ -15433,7 +13851,7 @@
             </p:txBody>
           </p:sp>
         </mc:Choice>
-        <mc:Fallback xmlns="">
+        <mc:Fallback>
           <p:sp>
             <p:nvSpPr>
               <p:cNvPr id="3" name="Content Placeholder 2">
@@ -15496,7 +13914,7 @@
           <a:p>
             <a:fld id="{D1331099-91DF-4F04-88EB-DEE656C210F7}" type="slidenum">
               <a:rPr lang="en-US" smtClean="0"/>
-              <a:t>24</a:t>
+              <a:t>21</a:t>
             </a:fld>
             <a:endParaRPr lang="en-US"/>
           </a:p>
@@ -15805,7 +14223,7 @@
             </a:r>
             <a:r>
               <a:rPr lang="tr-TR" sz="2000" dirty="0"/>
-              <a:t> bu seçimi kendisi adına gözlemleme ve buna istinaden bir karar alma işini eşleştirildiği </a:t>
+              <a:t> bu seçimi kendisi adına gözlemleme ve buna istinaden bir karar alma işini rastgele olarak eşleştirildiği </a:t>
             </a:r>
             <a:r>
               <a:rPr lang="tr-TR" sz="2000" b="1" i="1" dirty="0"/>
@@ -16452,7 +14870,7 @@
             </a:r>
             <a:r>
               <a:rPr lang="tr-TR" sz="2200" dirty="0"/>
-              <a:t> eşleştirilir. </a:t>
+              <a:t> rastgele olarak eşleştirilir. </a:t>
             </a:r>
             <a:r>
               <a:rPr lang="tr-TR" sz="2200" i="1" dirty="0"/>
@@ -20582,6 +19000,26 @@
                 <a:spcPct val="100000"/>
               </a:lnSpc>
             </a:pPr>
+            <a:r>
+              <a:rPr lang="tr-TR" sz="2200" dirty="0"/>
+              <a:t>Bölüm sonlandığında </a:t>
+            </a:r>
+            <a:r>
+              <a:rPr lang="tr-TR" sz="2200" u="sng" dirty="0"/>
+              <a:t>sadece kendi kazancınızı </a:t>
+            </a:r>
+            <a:r>
+              <a:rPr lang="tr-TR" sz="2200" dirty="0"/>
+              <a:t>göreceksiniz.</a:t>
+            </a:r>
+            <a:endParaRPr lang="tr-TR" sz="2200" u="sng" dirty="0"/>
+          </a:p>
+          <a:p>
+            <a:pPr algn="just">
+              <a:lnSpc>
+                <a:spcPct val="100000"/>
+              </a:lnSpc>
+            </a:pPr>
             <a:endParaRPr lang="tr-TR" sz="2200" dirty="0"/>
           </a:p>
           <a:p>
@@ -20676,6 +19114,14 @@
               <a:rPr lang="tr-TR" sz="2200" dirty="0"/>
               <a:t> 1. Tur kazancı + 2. Tur kazancı</a:t>
             </a:r>
+          </a:p>
+          <a:p>
+            <a:pPr algn="ctr">
+              <a:lnSpc>
+                <a:spcPct val="100000"/>
+              </a:lnSpc>
+            </a:pPr>
+            <a:endParaRPr lang="tr-TR" sz="2200" dirty="0"/>
           </a:p>
         </p:txBody>
       </p:sp>
